--- a/Course 09 - IBM Data Analyst Capstone Project/Week6/Final-capstone-story-template.pptx
+++ b/Course 09 - IBM Data Analyst Capstone Project/Week6/Final-capstone-story-template.pptx
@@ -1407,7 +1407,7 @@
           <a:p>
             <a:fld id="{9E497948-54D2-43F8-9A63-A99FE3051738}" type="datetimeFigureOut">
               <a:rPr lang="en-US" smtClean="0"/>
-              <a:t>1/16/2024</a:t>
+              <a:t>4/3/2024</a:t>
             </a:fld>
             <a:endParaRPr lang="en-US"/>
           </a:p>
@@ -1917,6 +1917,258 @@
     <p:extLst>
       <p:ext uri="{BB962C8B-B14F-4D97-AF65-F5344CB8AC3E}">
         <p14:creationId xmlns:p14="http://schemas.microsoft.com/office/powerpoint/2010/main" val="4256004563"/>
+      </p:ext>
+    </p:extLst>
+  </p:cSld>
+  <p:clrMapOvr>
+    <a:masterClrMapping/>
+  </p:clrMapOvr>
+</p:notes>
+</file>
+
+<file path=ppt/notesSlides/notesSlide4.xml><?xml version="1.0" encoding="utf-8"?>
+<p:notes xmlns:a="http://schemas.openxmlformats.org/drawingml/2006/main" xmlns:r="http://schemas.openxmlformats.org/officeDocument/2006/relationships" xmlns:p="http://schemas.openxmlformats.org/presentationml/2006/main">
+  <p:cSld>
+    <p:spTree>
+      <p:nvGrpSpPr>
+        <p:cNvPr id="1" name=""/>
+        <p:cNvGrpSpPr/>
+        <p:nvPr/>
+      </p:nvGrpSpPr>
+      <p:grpSpPr>
+        <a:xfrm>
+          <a:off x="0" y="0"/>
+          <a:ext cx="0" cy="0"/>
+          <a:chOff x="0" y="0"/>
+          <a:chExt cx="0" cy="0"/>
+        </a:xfrm>
+      </p:grpSpPr>
+      <p:sp>
+        <p:nvSpPr>
+          <p:cNvPr id="2" name="Slide Image Placeholder 1"/>
+          <p:cNvSpPr>
+            <a:spLocks noGrp="1" noRot="1" noChangeAspect="1"/>
+          </p:cNvSpPr>
+          <p:nvPr>
+            <p:ph type="sldImg"/>
+          </p:nvPr>
+        </p:nvSpPr>
+        <p:spPr/>
+      </p:sp>
+      <p:sp>
+        <p:nvSpPr>
+          <p:cNvPr id="3" name="Notes Placeholder 2"/>
+          <p:cNvSpPr>
+            <a:spLocks noGrp="1"/>
+          </p:cNvSpPr>
+          <p:nvPr>
+            <p:ph type="body" idx="1"/>
+          </p:nvPr>
+        </p:nvSpPr>
+        <p:spPr/>
+        <p:txBody>
+          <a:bodyPr/>
+          <a:lstStyle/>
+          <a:p>
+            <a:endParaRPr lang="en-US"/>
+          </a:p>
+        </p:txBody>
+      </p:sp>
+      <p:sp>
+        <p:nvSpPr>
+          <p:cNvPr id="4" name="Slide Number Placeholder 3"/>
+          <p:cNvSpPr>
+            <a:spLocks noGrp="1"/>
+          </p:cNvSpPr>
+          <p:nvPr>
+            <p:ph type="sldNum" sz="quarter" idx="5"/>
+          </p:nvPr>
+        </p:nvSpPr>
+        <p:spPr/>
+        <p:txBody>
+          <a:bodyPr/>
+          <a:lstStyle/>
+          <a:p>
+            <a:fld id="{EEBDA0E2-FEBD-4B65-8F16-724CF984F377}" type="slidenum">
+              <a:rPr lang="en-US" smtClean="0"/>
+              <a:t>9</a:t>
+            </a:fld>
+            <a:endParaRPr lang="en-US"/>
+          </a:p>
+        </p:txBody>
+      </p:sp>
+    </p:spTree>
+    <p:extLst>
+      <p:ext uri="{BB962C8B-B14F-4D97-AF65-F5344CB8AC3E}">
+        <p14:creationId xmlns:p14="http://schemas.microsoft.com/office/powerpoint/2010/main" val="3607372621"/>
+      </p:ext>
+    </p:extLst>
+  </p:cSld>
+  <p:clrMapOvr>
+    <a:masterClrMapping/>
+  </p:clrMapOvr>
+</p:notes>
+</file>
+
+<file path=ppt/notesSlides/notesSlide5.xml><?xml version="1.0" encoding="utf-8"?>
+<p:notes xmlns:a="http://schemas.openxmlformats.org/drawingml/2006/main" xmlns:r="http://schemas.openxmlformats.org/officeDocument/2006/relationships" xmlns:p="http://schemas.openxmlformats.org/presentationml/2006/main">
+  <p:cSld>
+    <p:spTree>
+      <p:nvGrpSpPr>
+        <p:cNvPr id="1" name=""/>
+        <p:cNvGrpSpPr/>
+        <p:nvPr/>
+      </p:nvGrpSpPr>
+      <p:grpSpPr>
+        <a:xfrm>
+          <a:off x="0" y="0"/>
+          <a:ext cx="0" cy="0"/>
+          <a:chOff x="0" y="0"/>
+          <a:chExt cx="0" cy="0"/>
+        </a:xfrm>
+      </p:grpSpPr>
+      <p:sp>
+        <p:nvSpPr>
+          <p:cNvPr id="2" name="Slide Image Placeholder 1"/>
+          <p:cNvSpPr>
+            <a:spLocks noGrp="1" noRot="1" noChangeAspect="1"/>
+          </p:cNvSpPr>
+          <p:nvPr>
+            <p:ph type="sldImg"/>
+          </p:nvPr>
+        </p:nvSpPr>
+        <p:spPr/>
+      </p:sp>
+      <p:sp>
+        <p:nvSpPr>
+          <p:cNvPr id="3" name="Notes Placeholder 2"/>
+          <p:cNvSpPr>
+            <a:spLocks noGrp="1"/>
+          </p:cNvSpPr>
+          <p:nvPr>
+            <p:ph type="body" idx="1"/>
+          </p:nvPr>
+        </p:nvSpPr>
+        <p:spPr/>
+        <p:txBody>
+          <a:bodyPr/>
+          <a:lstStyle/>
+          <a:p>
+            <a:endParaRPr lang="en-US"/>
+          </a:p>
+        </p:txBody>
+      </p:sp>
+      <p:sp>
+        <p:nvSpPr>
+          <p:cNvPr id="4" name="Slide Number Placeholder 3"/>
+          <p:cNvSpPr>
+            <a:spLocks noGrp="1"/>
+          </p:cNvSpPr>
+          <p:nvPr>
+            <p:ph type="sldNum" sz="quarter" idx="5"/>
+          </p:nvPr>
+        </p:nvSpPr>
+        <p:spPr/>
+        <p:txBody>
+          <a:bodyPr/>
+          <a:lstStyle/>
+          <a:p>
+            <a:fld id="{EEBDA0E2-FEBD-4B65-8F16-724CF984F377}" type="slidenum">
+              <a:rPr lang="en-US" smtClean="0"/>
+              <a:t>12</a:t>
+            </a:fld>
+            <a:endParaRPr lang="en-US"/>
+          </a:p>
+        </p:txBody>
+      </p:sp>
+    </p:spTree>
+    <p:extLst>
+      <p:ext uri="{BB962C8B-B14F-4D97-AF65-F5344CB8AC3E}">
+        <p14:creationId xmlns:p14="http://schemas.microsoft.com/office/powerpoint/2010/main" val="4245144223"/>
+      </p:ext>
+    </p:extLst>
+  </p:cSld>
+  <p:clrMapOvr>
+    <a:masterClrMapping/>
+  </p:clrMapOvr>
+</p:notes>
+</file>
+
+<file path=ppt/notesSlides/notesSlide6.xml><?xml version="1.0" encoding="utf-8"?>
+<p:notes xmlns:a="http://schemas.openxmlformats.org/drawingml/2006/main" xmlns:r="http://schemas.openxmlformats.org/officeDocument/2006/relationships" xmlns:p="http://schemas.openxmlformats.org/presentationml/2006/main">
+  <p:cSld>
+    <p:spTree>
+      <p:nvGrpSpPr>
+        <p:cNvPr id="1" name=""/>
+        <p:cNvGrpSpPr/>
+        <p:nvPr/>
+      </p:nvGrpSpPr>
+      <p:grpSpPr>
+        <a:xfrm>
+          <a:off x="0" y="0"/>
+          <a:ext cx="0" cy="0"/>
+          <a:chOff x="0" y="0"/>
+          <a:chExt cx="0" cy="0"/>
+        </a:xfrm>
+      </p:grpSpPr>
+      <p:sp>
+        <p:nvSpPr>
+          <p:cNvPr id="2" name="Slide Image Placeholder 1"/>
+          <p:cNvSpPr>
+            <a:spLocks noGrp="1" noRot="1" noChangeAspect="1"/>
+          </p:cNvSpPr>
+          <p:nvPr>
+            <p:ph type="sldImg"/>
+          </p:nvPr>
+        </p:nvSpPr>
+        <p:spPr/>
+      </p:sp>
+      <p:sp>
+        <p:nvSpPr>
+          <p:cNvPr id="3" name="Notes Placeholder 2"/>
+          <p:cNvSpPr>
+            <a:spLocks noGrp="1"/>
+          </p:cNvSpPr>
+          <p:nvPr>
+            <p:ph type="body" idx="1"/>
+          </p:nvPr>
+        </p:nvSpPr>
+        <p:spPr/>
+        <p:txBody>
+          <a:bodyPr/>
+          <a:lstStyle/>
+          <a:p>
+            <a:endParaRPr lang="en-US"/>
+          </a:p>
+        </p:txBody>
+      </p:sp>
+      <p:sp>
+        <p:nvSpPr>
+          <p:cNvPr id="4" name="Slide Number Placeholder 3"/>
+          <p:cNvSpPr>
+            <a:spLocks noGrp="1"/>
+          </p:cNvSpPr>
+          <p:nvPr>
+            <p:ph type="sldNum" sz="quarter" idx="5"/>
+          </p:nvPr>
+        </p:nvSpPr>
+        <p:spPr/>
+        <p:txBody>
+          <a:bodyPr/>
+          <a:lstStyle/>
+          <a:p>
+            <a:fld id="{EEBDA0E2-FEBD-4B65-8F16-724CF984F377}" type="slidenum">
+              <a:rPr lang="en-US" smtClean="0"/>
+              <a:t>20</a:t>
+            </a:fld>
+            <a:endParaRPr lang="en-US"/>
+          </a:p>
+        </p:txBody>
+      </p:sp>
+    </p:spTree>
+    <p:extLst>
+      <p:ext uri="{BB962C8B-B14F-4D97-AF65-F5344CB8AC3E}">
+        <p14:creationId xmlns:p14="http://schemas.microsoft.com/office/powerpoint/2010/main" val="2567625221"/>
       </p:ext>
     </p:extLst>
   </p:cSld>
@@ -4983,7 +5235,7 @@
         <p:spPr>
           <a:xfrm>
             <a:off x="6172200" y="2345719"/>
-            <a:ext cx="2900302" cy="1325563"/>
+            <a:ext cx="5181600" cy="2213177"/>
           </a:xfrm>
         </p:spPr>
         <p:txBody>
@@ -4993,13 +5245,14 @@
           <a:lstStyle/>
           <a:p>
             <a:r>
-              <a:rPr lang="en-US" dirty="0">
-                <a:solidFill>
-                  <a:srgbClr val="0E659B"/>
-                </a:solidFill>
-              </a:rPr>
-              <a:t>&lt;TITLE&gt;</a:t>
-            </a:r>
+              <a:rPr lang="en-US"/>
+              <a:t>Stackoverflow Developer Survey Data Analysis</a:t>
+            </a:r>
+            <a:endParaRPr lang="en-US" dirty="0">
+              <a:solidFill>
+                <a:srgbClr val="0E659B"/>
+              </a:solidFill>
+            </a:endParaRPr>
           </a:p>
         </p:txBody>
       </p:sp>
@@ -5052,8 +5305,8 @@
         </p:nvSpPr>
         <p:spPr>
           <a:xfrm>
-            <a:off x="6172200" y="3560007"/>
-            <a:ext cx="5181600" cy="2616956"/>
+            <a:off x="8432042" y="5084134"/>
+            <a:ext cx="3759958" cy="1325202"/>
           </a:xfrm>
         </p:spPr>
         <p:txBody>
@@ -5066,18 +5319,20 @@
               <a:buNone/>
             </a:pPr>
             <a:r>
-              <a:rPr lang="en-US" dirty="0"/>
-              <a:t>&lt;NAME&gt;</a:t>
-            </a:r>
+              <a:rPr lang="en-US"/>
+              <a:t>Duong Van Nhat Long</a:t>
+            </a:r>
+            <a:endParaRPr lang="en-US" dirty="0"/>
           </a:p>
           <a:p>
             <a:pPr marL="0" indent="0">
               <a:buNone/>
             </a:pPr>
             <a:r>
-              <a:rPr lang="en-US" dirty="0"/>
-              <a:t>&lt;DATE&gt;</a:t>
-            </a:r>
+              <a:rPr lang="en-US"/>
+              <a:t>Date: 04/03/2024</a:t>
+            </a:r>
+            <a:endParaRPr lang="en-US" dirty="0"/>
           </a:p>
         </p:txBody>
       </p:sp>
@@ -6284,7 +6539,9 @@
           </a:xfrm>
         </p:spPr>
         <p:txBody>
-          <a:bodyPr/>
+          <a:bodyPr>
+            <a:normAutofit fontScale="92500" lnSpcReduction="20000"/>
+          </a:bodyPr>
           <a:lstStyle/>
           <a:p>
             <a:pPr marL="0" indent="0">
@@ -6302,22 +6559,26 @@
             <a:endParaRPr lang="en-US" dirty="0"/>
           </a:p>
           <a:p>
-            <a:r>
-              <a:rPr lang="en-US" dirty="0"/>
-              <a:t>Finding 1</a:t>
-            </a:r>
-          </a:p>
-          <a:p>
-            <a:r>
-              <a:rPr lang="en-US" dirty="0"/>
-              <a:t>Finding 2</a:t>
-            </a:r>
-          </a:p>
-          <a:p>
-            <a:r>
-              <a:rPr lang="en-US" dirty="0"/>
-              <a:t>Finding 3</a:t>
-            </a:r>
+            <a:endParaRPr lang="en-US"/>
+          </a:p>
+          <a:p>
+            <a:r>
+              <a:rPr lang="en-US"/>
+              <a:t>Interest in MySQL, Microsoft SQL Server, and SQLite has decreased for the upcoming year.</a:t>
+            </a:r>
+          </a:p>
+          <a:p>
+            <a:r>
+              <a:rPr lang="en-US"/>
+              <a:t>Interest in PostgreSQL and MongoDB has increased compared to the current year.</a:t>
+            </a:r>
+          </a:p>
+          <a:p>
+            <a:r>
+              <a:rPr lang="en-US"/>
+              <a:t>There is increased interest in Redis and Elasticsearch for the following year.</a:t>
+            </a:r>
+            <a:endParaRPr lang="en-US" dirty="0"/>
           </a:p>
         </p:txBody>
       </p:sp>
@@ -6339,7 +6600,9 @@
         </p:nvSpPr>
         <p:spPr/>
         <p:txBody>
-          <a:bodyPr/>
+          <a:bodyPr>
+            <a:normAutofit fontScale="92500" lnSpcReduction="20000"/>
+          </a:bodyPr>
           <a:lstStyle/>
           <a:p>
             <a:pPr marL="0" indent="0">
@@ -6349,6 +6612,12 @@
               <a:rPr lang="en-US" dirty="0"/>
               <a:t>Implications</a:t>
             </a:r>
+          </a:p>
+          <a:p>
+            <a:pPr marL="0" indent="0">
+              <a:buNone/>
+            </a:pPr>
+            <a:endParaRPr lang="en-US"/>
           </a:p>
           <a:p>
             <a:pPr marL="0" indent="0">
@@ -6358,21 +6627,36 @@
           </a:p>
           <a:p>
             <a:r>
-              <a:rPr lang="en-US" dirty="0"/>
-              <a:t>Implication 1</a:t>
-            </a:r>
-          </a:p>
-          <a:p>
-            <a:r>
-              <a:rPr lang="en-US" dirty="0"/>
-              <a:t>Implication 2</a:t>
-            </a:r>
-          </a:p>
-          <a:p>
-            <a:r>
-              <a:rPr lang="en-US" dirty="0"/>
-              <a:t>Implication 3</a:t>
-            </a:r>
+              <a:rPr lang="en-US"/>
+              <a:t>You can decrease the number of employees skilled in MySQL, Microsoft SQL Server, and SQLite.</a:t>
+            </a:r>
+          </a:p>
+          <a:p>
+            <a:r>
+              <a:rPr lang="en-US"/>
+              <a:t>You can increase the number of employees skilled in PostgreSQL and MongoDB.</a:t>
+            </a:r>
+          </a:p>
+          <a:p>
+            <a:r>
+              <a:rPr lang="en-US"/>
+              <a:t>You can also employ more people skilled in Redis and Elasticsearch.</a:t>
+            </a:r>
+          </a:p>
+          <a:p>
+            <a:pPr marL="0" indent="0">
+              <a:buNone/>
+            </a:pPr>
+            <a:endParaRPr lang="en-US"/>
+          </a:p>
+          <a:p>
+            <a:endParaRPr lang="en-US"/>
+          </a:p>
+          <a:p>
+            <a:endParaRPr lang="en-US"/>
+          </a:p>
+          <a:p>
+            <a:endParaRPr lang="en-US" dirty="0"/>
           </a:p>
         </p:txBody>
       </p:sp>
@@ -6473,9 +6757,18 @@
               <a:buNone/>
             </a:pPr>
             <a:r>
-              <a:rPr lang="en-US" sz="2200" dirty="0"/>
-              <a:t>&lt;The GitHub link of the Cognos dashboard goes here.&gt;</a:t>
-            </a:r>
+              <a:rPr lang="en-US" sz="2200">
+                <a:hlinkClick r:id="rId2"/>
+              </a:rPr>
+              <a:t>https://ap1.ca.analytics.ibm.com/bi/?perspective=dashboard&amp;pathRef=.my_folders%2FIBM%2BData%2BAnalyst%2BCapstone%2BProject_WEEK5&amp;action=view&amp;mode=dashboard</a:t>
+            </a:r>
+            <a:endParaRPr lang="en-US" sz="2200"/>
+          </a:p>
+          <a:p>
+            <a:pPr marL="0" indent="0">
+              <a:buNone/>
+            </a:pPr>
+            <a:endParaRPr lang="en-US" sz="2200" dirty="0"/>
           </a:p>
         </p:txBody>
       </p:sp>
@@ -6494,7 +6787,7 @@
           <p:nvPr/>
         </p:nvPicPr>
         <p:blipFill>
-          <a:blip r:embed="rId2"/>
+          <a:blip r:embed="rId3"/>
           <a:stretch>
             <a:fillRect/>
           </a:stretch>
@@ -6574,54 +6867,36 @@
           </a:p>
         </p:txBody>
       </p:sp>
-      <p:sp>
-        <p:nvSpPr>
-          <p:cNvPr id="8" name="Content Placeholder 2">
+      <p:pic>
+        <p:nvPicPr>
+          <p:cNvPr id="9" name="Picture 8">
             <a:extLst>
               <a:ext uri="{FF2B5EF4-FFF2-40B4-BE49-F238E27FC236}">
-                <a16:creationId xmlns:a16="http://schemas.microsoft.com/office/drawing/2014/main" id="{EFCC0E64-0E5B-4BA1-BC72-30FA1DE96F29}"/>
+                <a16:creationId xmlns:a16="http://schemas.microsoft.com/office/drawing/2014/main" id="{08489D31-FC6D-FC6D-3080-F14CAD1B4729}"/>
               </a:ext>
             </a:extLst>
           </p:cNvPr>
-          <p:cNvSpPr>
-            <a:spLocks noGrp="1"/>
-          </p:cNvSpPr>
-          <p:nvPr>
-            <p:ph idx="1"/>
-          </p:nvPr>
-        </p:nvSpPr>
+          <p:cNvPicPr>
+            <a:picLocks noChangeAspect="1"/>
+          </p:cNvPicPr>
+          <p:nvPr/>
+        </p:nvPicPr>
+        <p:blipFill>
+          <a:blip r:embed="rId3"/>
+          <a:stretch>
+            <a:fillRect/>
+          </a:stretch>
+        </p:blipFill>
         <p:spPr>
           <a:xfrm>
-            <a:off x="838200" y="1690688"/>
-            <a:ext cx="10515600" cy="4351338"/>
+            <a:off x="2279176" y="1627448"/>
+            <a:ext cx="7978714" cy="4663729"/>
           </a:xfrm>
+          <a:prstGeom prst="rect">
+            <a:avLst/>
+          </a:prstGeom>
         </p:spPr>
-        <p:txBody>
-          <a:bodyPr/>
-          <a:lstStyle/>
-          <a:p>
-            <a:pPr marL="0" indent="0">
-              <a:buNone/>
-            </a:pPr>
-            <a:endParaRPr lang="en-US" dirty="0"/>
-          </a:p>
-          <a:p>
-            <a:pPr marL="0" indent="0">
-              <a:buNone/>
-            </a:pPr>
-            <a:endParaRPr lang="en-US" dirty="0"/>
-          </a:p>
-          <a:p>
-            <a:pPr marL="0" indent="0">
-              <a:buNone/>
-            </a:pPr>
-            <a:r>
-              <a:rPr lang="en-US" dirty="0"/>
-              <a:t>Screenshot of dashboard tab 1 goes here</a:t>
-            </a:r>
-          </a:p>
-        </p:txBody>
-      </p:sp>
+      </p:pic>
     </p:spTree>
     <p:extLst>
       <p:ext uri="{BB962C8B-B14F-4D97-AF65-F5344CB8AC3E}">
@@ -6687,54 +6962,35 @@
           </a:p>
         </p:txBody>
       </p:sp>
-      <p:sp>
-        <p:nvSpPr>
-          <p:cNvPr id="8" name="Content Placeholder 2">
+      <p:pic>
+        <p:nvPicPr>
+          <p:cNvPr id="6" name="Content Placeholder 5">
             <a:extLst>
               <a:ext uri="{FF2B5EF4-FFF2-40B4-BE49-F238E27FC236}">
-                <a16:creationId xmlns:a16="http://schemas.microsoft.com/office/drawing/2014/main" id="{EFCC0E64-0E5B-4BA1-BC72-30FA1DE96F29}"/>
+                <a16:creationId xmlns:a16="http://schemas.microsoft.com/office/drawing/2014/main" id="{7D8C569E-259C-F000-D5B2-9621CCBFF3AF}"/>
               </a:ext>
             </a:extLst>
           </p:cNvPr>
-          <p:cNvSpPr>
-            <a:spLocks noGrp="1"/>
-          </p:cNvSpPr>
+          <p:cNvPicPr>
+            <a:picLocks noGrp="1" noChangeAspect="1"/>
+          </p:cNvPicPr>
           <p:nvPr>
             <p:ph idx="1"/>
           </p:nvPr>
-        </p:nvSpPr>
+        </p:nvPicPr>
+        <p:blipFill>
+          <a:blip r:embed="rId2"/>
+          <a:stretch>
+            <a:fillRect/>
+          </a:stretch>
+        </p:blipFill>
         <p:spPr>
           <a:xfrm>
-            <a:off x="838200" y="1690688"/>
-            <a:ext cx="10515600" cy="4351338"/>
+            <a:off x="2149815" y="1690688"/>
+            <a:ext cx="7892369" cy="4351337"/>
           </a:xfrm>
         </p:spPr>
-        <p:txBody>
-          <a:bodyPr/>
-          <a:lstStyle/>
-          <a:p>
-            <a:pPr marL="0" indent="0">
-              <a:buNone/>
-            </a:pPr>
-            <a:endParaRPr lang="en-US" dirty="0"/>
-          </a:p>
-          <a:p>
-            <a:pPr marL="0" indent="0">
-              <a:buNone/>
-            </a:pPr>
-            <a:endParaRPr lang="en-US" dirty="0"/>
-          </a:p>
-          <a:p>
-            <a:pPr marL="0" indent="0">
-              <a:buNone/>
-            </a:pPr>
-            <a:r>
-              <a:rPr lang="en-US" dirty="0"/>
-              <a:t>Screenshot of dashboard tab 2 goes here</a:t>
-            </a:r>
-          </a:p>
-        </p:txBody>
-      </p:sp>
+      </p:pic>
     </p:spTree>
     <p:extLst>
       <p:ext uri="{BB962C8B-B14F-4D97-AF65-F5344CB8AC3E}">
@@ -6800,54 +7056,35 @@
           </a:p>
         </p:txBody>
       </p:sp>
-      <p:sp>
-        <p:nvSpPr>
-          <p:cNvPr id="8" name="Content Placeholder 2">
+      <p:pic>
+        <p:nvPicPr>
+          <p:cNvPr id="6" name="Content Placeholder 5">
             <a:extLst>
               <a:ext uri="{FF2B5EF4-FFF2-40B4-BE49-F238E27FC236}">
-                <a16:creationId xmlns:a16="http://schemas.microsoft.com/office/drawing/2014/main" id="{EFCC0E64-0E5B-4BA1-BC72-30FA1DE96F29}"/>
+                <a16:creationId xmlns:a16="http://schemas.microsoft.com/office/drawing/2014/main" id="{69CA5419-58EB-C169-D97D-AE0D53E56423}"/>
               </a:ext>
             </a:extLst>
           </p:cNvPr>
-          <p:cNvSpPr>
-            <a:spLocks noGrp="1"/>
-          </p:cNvSpPr>
+          <p:cNvPicPr>
+            <a:picLocks noGrp="1" noChangeAspect="1"/>
+          </p:cNvPicPr>
           <p:nvPr>
             <p:ph idx="1"/>
           </p:nvPr>
-        </p:nvSpPr>
+        </p:nvPicPr>
+        <p:blipFill>
+          <a:blip r:embed="rId2"/>
+          <a:stretch>
+            <a:fillRect/>
+          </a:stretch>
+        </p:blipFill>
         <p:spPr>
           <a:xfrm>
-            <a:off x="838200" y="1690688"/>
-            <a:ext cx="10515600" cy="4351338"/>
+            <a:off x="2239133" y="1690688"/>
+            <a:ext cx="7713733" cy="4351337"/>
           </a:xfrm>
         </p:spPr>
-        <p:txBody>
-          <a:bodyPr/>
-          <a:lstStyle/>
-          <a:p>
-            <a:pPr marL="0" indent="0">
-              <a:buNone/>
-            </a:pPr>
-            <a:endParaRPr lang="en-US" dirty="0"/>
-          </a:p>
-          <a:p>
-            <a:pPr marL="0" indent="0">
-              <a:buNone/>
-            </a:pPr>
-            <a:endParaRPr lang="en-US" dirty="0"/>
-          </a:p>
-          <a:p>
-            <a:pPr marL="0" indent="0">
-              <a:buNone/>
-            </a:pPr>
-            <a:r>
-              <a:rPr lang="en-US" dirty="0"/>
-              <a:t>Screenshot of dashboard tab 3 goes here</a:t>
-            </a:r>
-          </a:p>
-        </p:txBody>
-      </p:sp>
+      </p:pic>
     </p:spTree>
     <p:extLst>
       <p:ext uri="{BB962C8B-B14F-4D97-AF65-F5344CB8AC3E}">
@@ -6969,9 +7206,36 @@
           </a:xfrm>
         </p:spPr>
         <p:txBody>
-          <a:bodyPr/>
+          <a:bodyPr>
+            <a:normAutofit fontScale="92500" lnSpcReduction="10000"/>
+          </a:bodyPr>
           <a:lstStyle/>
           <a:p>
+            <a:endParaRPr lang="en-US"/>
+          </a:p>
+          <a:p>
+            <a:r>
+              <a:rPr lang="en-US"/>
+              <a:t>The survey included respondents of all ages.</a:t>
+            </a:r>
+          </a:p>
+          <a:p>
+            <a:r>
+              <a:rPr lang="en-US"/>
+              <a:t>All genders were considered in the survey.</a:t>
+            </a:r>
+          </a:p>
+          <a:p>
+            <a:r>
+              <a:rPr lang="en-US"/>
+              <a:t>Participants from various countries were asked to participate in the survey.</a:t>
+            </a:r>
+          </a:p>
+          <a:p>
+            <a:r>
+              <a:rPr lang="en-US"/>
+              <a:t>Individuals with different education levels were also included in the survey.</a:t>
+            </a:r>
             <a:endParaRPr lang="en-US" dirty="0"/>
           </a:p>
         </p:txBody>
@@ -7058,15 +7322,15 @@
         </p:spPr>
         <p:txBody>
           <a:bodyPr>
-            <a:normAutofit/>
+            <a:normAutofit fontScale="55000" lnSpcReduction="20000"/>
           </a:bodyPr>
           <a:lstStyle/>
           <a:p>
-            <a:pPr marL="0" indent="0">
+            <a:pPr marL="0" indent="0" algn="ctr">
               <a:buNone/>
             </a:pPr>
             <a:r>
-              <a:rPr lang="en-US" dirty="0"/>
+              <a:rPr lang="en-US" sz="6500" b="1" dirty="0"/>
               <a:t>Findings</a:t>
             </a:r>
           </a:p>
@@ -7078,21 +7342,40 @@
           </a:p>
           <a:p>
             <a:r>
-              <a:rPr lang="en-US" dirty="0"/>
-              <a:t>Finding 1</a:t>
-            </a:r>
-          </a:p>
-          <a:p>
-            <a:r>
-              <a:rPr lang="en-US" dirty="0"/>
-              <a:t>Finding 2</a:t>
-            </a:r>
-          </a:p>
-          <a:p>
-            <a:r>
-              <a:rPr lang="en-US" dirty="0"/>
-              <a:t>Finding 3</a:t>
-            </a:r>
+              <a:rPr lang="en-US"/>
+              <a:t>Over 90 percent of the respondents in the survey are male.</a:t>
+            </a:r>
+          </a:p>
+          <a:p>
+            <a:r>
+              <a:rPr lang="en-US"/>
+              <a:t>The average age of the participants is 30.</a:t>
+            </a:r>
+          </a:p>
+          <a:p>
+            <a:r>
+              <a:rPr lang="en-US"/>
+              <a:t>There is a notable increase in interest in TypeScript, alongside continued growth in Python.</a:t>
+            </a:r>
+          </a:p>
+          <a:p>
+            <a:r>
+              <a:rPr lang="en-US"/>
+              <a:t>Redis, Elasticsearch, PostgreSQL, and MongoDB are experiencing heightened interest.</a:t>
+            </a:r>
+          </a:p>
+          <a:p>
+            <a:r>
+              <a:rPr lang="en-US"/>
+              <a:t>Interest in Slack and Windows is notably declining.</a:t>
+            </a:r>
+          </a:p>
+          <a:p>
+            <a:r>
+              <a:rPr lang="en-US"/>
+              <a:t>Vue.js is seeing a significant rise in interest, while React.js continues to grow steadily.</a:t>
+            </a:r>
+            <a:endParaRPr lang="en-US" dirty="0"/>
           </a:p>
         </p:txBody>
       </p:sp>
@@ -7115,15 +7398,15 @@
         <p:spPr/>
         <p:txBody>
           <a:bodyPr>
-            <a:normAutofit/>
+            <a:normAutofit fontScale="55000" lnSpcReduction="20000"/>
           </a:bodyPr>
           <a:lstStyle/>
           <a:p>
-            <a:pPr marL="0" indent="0">
+            <a:pPr marL="0" indent="0" algn="ctr">
               <a:buNone/>
             </a:pPr>
             <a:r>
-              <a:rPr lang="en-US" dirty="0"/>
+              <a:rPr lang="en-US" sz="6500" b="1" dirty="0"/>
               <a:t>Implications</a:t>
             </a:r>
           </a:p>
@@ -7135,21 +7418,40 @@
           </a:p>
           <a:p>
             <a:r>
-              <a:rPr lang="en-US" dirty="0"/>
-              <a:t>Implication 1</a:t>
-            </a:r>
-          </a:p>
-          <a:p>
-            <a:r>
-              <a:rPr lang="en-US" dirty="0"/>
-              <a:t>Implication 2</a:t>
-            </a:r>
-          </a:p>
-          <a:p>
-            <a:r>
-              <a:rPr lang="en-US" dirty="0"/>
-              <a:t>Implication 3</a:t>
-            </a:r>
+              <a:rPr lang="en-US"/>
+              <a:t>The software sector continues to exhibit a male-dominated landscape.</a:t>
+            </a:r>
+          </a:p>
+          <a:p>
+            <a:r>
+              <a:rPr lang="en-US"/>
+              <a:t>Locating highly experienced professionals in development remains a persistent challenge.</a:t>
+            </a:r>
+          </a:p>
+          <a:p>
+            <a:r>
+              <a:rPr lang="en-US"/>
+              <a:t>It's advisable to maintain a stable workforce proficient in JavaScript and HTML/CSS while increasing recruitment for Python and TypeScript expertise.</a:t>
+            </a:r>
+          </a:p>
+          <a:p>
+            <a:r>
+              <a:rPr lang="en-US"/>
+              <a:t>Furthermore, consider bolstering your team with more talent specialized in PostgreSQL, MongoDB, Elasticsearch, and Redis.</a:t>
+            </a:r>
+          </a:p>
+          <a:p>
+            <a:r>
+              <a:rPr lang="en-US"/>
+              <a:t>In the realm of web development, ensure sufficient staffing for ASP.NET while augmenting the team with skilled Vue.js and React.js practitioners.</a:t>
+            </a:r>
+          </a:p>
+          <a:p>
+            <a:r>
+              <a:rPr lang="en-US"/>
+              <a:t>In terms of infrastructure, sustain your Linux workforce while expanding the team with Docker, AWS, and Android experts, while scaling back reliance on Slack and Windows.</a:t>
+            </a:r>
+            <a:endParaRPr lang="en-US" dirty="0"/>
           </a:p>
         </p:txBody>
       </p:sp>
@@ -7241,31 +7543,34 @@
           </a:xfrm>
         </p:spPr>
         <p:txBody>
-          <a:bodyPr/>
+          <a:bodyPr>
+            <a:normAutofit fontScale="70000" lnSpcReduction="20000"/>
+          </a:bodyPr>
           <a:lstStyle/>
           <a:p>
             <a:r>
-              <a:rPr lang="en-US" dirty="0"/>
-              <a:t>Point 1</a:t>
-            </a:r>
-          </a:p>
-          <a:p>
-            <a:r>
-              <a:rPr lang="en-US" dirty="0"/>
-              <a:t>Point 2</a:t>
-            </a:r>
-          </a:p>
-          <a:p>
-            <a:r>
-              <a:rPr lang="en-US" dirty="0"/>
-              <a:t>Point 3</a:t>
-            </a:r>
-          </a:p>
-          <a:p>
-            <a:r>
-              <a:rPr lang="en-US" dirty="0"/>
-              <a:t>Point 4</a:t>
-            </a:r>
+              <a:rPr lang="en-US"/>
+              <a:t>Up to now, the software industry is still largely influenced by male dominance. Finding highly experienced development professionals remains a challenge for many organizations.</a:t>
+            </a:r>
+          </a:p>
+          <a:p>
+            <a:endParaRPr lang="en-US"/>
+          </a:p>
+          <a:p>
+            <a:r>
+              <a:rPr lang="en-US"/>
+              <a:t>To meet the growing market demand, maintaining a solid team in JavaScript and HTML/CSS is necessary, but there is also a need to increase recruitment of people with skills in Python and TypeScript. This reflects the upward trend of TypeScript and the stability of Python in the industry.</a:t>
+            </a:r>
+          </a:p>
+          <a:p>
+            <a:endParaRPr lang="en-US"/>
+          </a:p>
+          <a:p>
+            <a:r>
+              <a:rPr lang="en-US"/>
+              <a:t>At the same time, to meet the needs of modern software projects, expanding the team with people skilled in PostgreSQL, MongoDB, Elasticsearch and Redis is necessary. This represents a shift from traditional DBMSs to more popular and high-performance solutions such as MongoDB and Elasticsearch.</a:t>
+            </a:r>
+            <a:endParaRPr lang="en-US" dirty="0"/>
           </a:p>
         </p:txBody>
       </p:sp>
@@ -7366,39 +7671,35 @@
           </a:p>
         </p:txBody>
       </p:sp>
-      <p:sp>
-        <p:nvSpPr>
-          <p:cNvPr id="5" name="Content Placeholder 3">
+      <p:pic>
+        <p:nvPicPr>
+          <p:cNvPr id="6" name="Content Placeholder 5">
             <a:extLst>
               <a:ext uri="{FF2B5EF4-FFF2-40B4-BE49-F238E27FC236}">
-                <a16:creationId xmlns:a16="http://schemas.microsoft.com/office/drawing/2014/main" id="{28684E62-A9F8-4E7A-AB01-78893062A1B4}"/>
+                <a16:creationId xmlns:a16="http://schemas.microsoft.com/office/drawing/2014/main" id="{C89D573E-887D-22BB-AD81-E7BEF1AAB386}"/>
               </a:ext>
             </a:extLst>
           </p:cNvPr>
-          <p:cNvSpPr>
-            <a:spLocks noGrp="1"/>
-          </p:cNvSpPr>
+          <p:cNvPicPr>
+            <a:picLocks noGrp="1" noChangeAspect="1"/>
+          </p:cNvPicPr>
           <p:nvPr>
             <p:ph sz="half" idx="2"/>
           </p:nvPr>
-        </p:nvSpPr>
+        </p:nvPicPr>
+        <p:blipFill>
+          <a:blip r:embed="rId2"/>
+          <a:stretch>
+            <a:fillRect/>
+          </a:stretch>
+        </p:blipFill>
         <p:spPr>
           <a:xfrm>
-            <a:off x="4544291" y="1825625"/>
-            <a:ext cx="6809509" cy="4351338"/>
+            <a:off x="4572000" y="1825625"/>
+            <a:ext cx="6781800" cy="4351338"/>
           </a:xfrm>
         </p:spPr>
-        <p:txBody>
-          <a:bodyPr/>
-          <a:lstStyle/>
-          <a:p>
-            <a:r>
-              <a:rPr lang="en-US" dirty="0"/>
-              <a:t>Include any relevant additional charts, or tables that you may have created during the analysis phase.</a:t>
-            </a:r>
-          </a:p>
-        </p:txBody>
-      </p:sp>
+      </p:pic>
       <p:pic>
         <p:nvPicPr>
           <p:cNvPr id="4" name="Content Placeholder 3">
@@ -7416,7 +7717,7 @@
           </p:nvPr>
         </p:nvPicPr>
         <p:blipFill>
-          <a:blip r:embed="rId2"/>
+          <a:blip r:embed="rId3"/>
           <a:stretch>
             <a:fillRect/>
           </a:stretch>
@@ -7496,57 +7797,35 @@
           </a:p>
         </p:txBody>
       </p:sp>
-      <p:sp>
-        <p:nvSpPr>
-          <p:cNvPr id="3" name="Content Placeholder 2">
+      <p:pic>
+        <p:nvPicPr>
+          <p:cNvPr id="5" name="Content Placeholder 4" descr="A graph of numbers and a number of jobs&#10;&#10;Description automatically generated">
             <a:extLst>
               <a:ext uri="{FF2B5EF4-FFF2-40B4-BE49-F238E27FC236}">
-                <a16:creationId xmlns:a16="http://schemas.microsoft.com/office/drawing/2014/main" id="{902FD5C4-FE5F-46D2-ABC9-49FA4BB8442F}"/>
+                <a16:creationId xmlns:a16="http://schemas.microsoft.com/office/drawing/2014/main" id="{AB3BFAC4-3D6A-447C-1174-E2D426E4E98E}"/>
               </a:ext>
             </a:extLst>
           </p:cNvPr>
-          <p:cNvSpPr>
-            <a:spLocks noGrp="1"/>
-          </p:cNvSpPr>
+          <p:cNvPicPr>
+            <a:picLocks noGrp="1" noChangeAspect="1"/>
+          </p:cNvPicPr>
           <p:nvPr>
             <p:ph sz="half" idx="2"/>
           </p:nvPr>
-        </p:nvSpPr>
+        </p:nvPicPr>
+        <p:blipFill>
+          <a:blip r:embed="rId2"/>
+          <a:stretch>
+            <a:fillRect/>
+          </a:stretch>
+        </p:blipFill>
         <p:spPr>
           <a:xfrm>
-            <a:off x="914400" y="2191385"/>
-            <a:ext cx="10489276" cy="2862753"/>
+            <a:off x="1414818" y="1708615"/>
+            <a:ext cx="9362364" cy="4501116"/>
           </a:xfrm>
         </p:spPr>
-        <p:txBody>
-          <a:bodyPr>
-            <a:normAutofit/>
-          </a:bodyPr>
-          <a:lstStyle/>
-          <a:p>
-            <a:pPr marL="0" indent="0">
-              <a:buNone/>
-            </a:pPr>
-            <a:r>
-              <a:rPr lang="en-US" sz="2200" dirty="0"/>
-              <a:t>In Module 1 you have collected the job posting data using Job API in a file named “</a:t>
-            </a:r>
-            <a:r>
-              <a:rPr lang="en-IN" sz="2400" dirty="0"/>
-              <a:t>job-postings.xlsx</a:t>
-            </a:r>
-            <a:r>
-              <a:rPr lang="en-US" sz="2200" dirty="0"/>
-              <a:t>”. Present that data using a bar chart here. Order the bar chart in the descending order of the number of job </a:t>
-            </a:r>
-            <a:r>
-              <a:rPr lang="en-US" sz="2200"/>
-              <a:t>postings.</a:t>
-            </a:r>
-            <a:endParaRPr lang="en-US" sz="2200" dirty="0"/>
-          </a:p>
-        </p:txBody>
-      </p:sp>
+      </p:pic>
     </p:spTree>
     <p:extLst>
       <p:ext uri="{BB962C8B-B14F-4D97-AF65-F5344CB8AC3E}">
@@ -8309,56 +8588,35 @@
           </a:p>
         </p:txBody>
       </p:sp>
-      <p:sp>
-        <p:nvSpPr>
-          <p:cNvPr id="3" name="Content Placeholder 2">
+      <p:pic>
+        <p:nvPicPr>
+          <p:cNvPr id="10" name="Content Placeholder 9" descr="A graph showing a number of orange bars&#10;&#10;Description automatically generated">
             <a:extLst>
               <a:ext uri="{FF2B5EF4-FFF2-40B4-BE49-F238E27FC236}">
-                <a16:creationId xmlns:a16="http://schemas.microsoft.com/office/drawing/2014/main" id="{902FD5C4-FE5F-46D2-ABC9-49FA4BB8442F}"/>
+                <a16:creationId xmlns:a16="http://schemas.microsoft.com/office/drawing/2014/main" id="{83D4B03D-0ABE-9EB6-5A7E-62B1B0DA25A4}"/>
               </a:ext>
             </a:extLst>
           </p:cNvPr>
-          <p:cNvSpPr>
-            <a:spLocks noGrp="1"/>
-          </p:cNvSpPr>
+          <p:cNvPicPr>
+            <a:picLocks noGrp="1" noChangeAspect="1"/>
+          </p:cNvPicPr>
           <p:nvPr>
             <p:ph sz="half" idx="2"/>
           </p:nvPr>
-        </p:nvSpPr>
+        </p:nvPicPr>
+        <p:blipFill>
+          <a:blip r:embed="rId3"/>
+          <a:stretch>
+            <a:fillRect/>
+          </a:stretch>
+        </p:blipFill>
         <p:spPr>
           <a:xfrm>
-            <a:off x="878305" y="2191385"/>
-            <a:ext cx="10525371" cy="2862753"/>
+            <a:off x="882555" y="1708614"/>
+            <a:ext cx="10426889" cy="4129206"/>
           </a:xfrm>
         </p:spPr>
-        <p:txBody>
-          <a:bodyPr>
-            <a:normAutofit/>
-          </a:bodyPr>
-          <a:lstStyle/>
-          <a:p>
-            <a:pPr marL="0" indent="0">
-              <a:buNone/>
-            </a:pPr>
-            <a:r>
-              <a:rPr lang="en-US" sz="2200" dirty="0"/>
-              <a:t>In Module 1 you have collected the job postings data using web scraping in a file named “</a:t>
-            </a:r>
-            <a:r>
-              <a:rPr lang="en-IN" sz="2400" dirty="0"/>
-              <a:t>popular-</a:t>
-            </a:r>
-            <a:r>
-              <a:rPr lang="en-IN" sz="2400" dirty="0" err="1"/>
-              <a:t>languages.csv</a:t>
-            </a:r>
-            <a:r>
-              <a:rPr lang="en-US" sz="2200" dirty="0"/>
-              <a:t>”. Present that data using a bar chart here. Order the bar chart in the descending order of salary.</a:t>
-            </a:r>
-          </a:p>
-        </p:txBody>
-      </p:sp>
+      </p:pic>
     </p:spTree>
     <p:extLst>
       <p:ext uri="{BB962C8B-B14F-4D97-AF65-F5344CB8AC3E}">
@@ -8448,59 +8706,184 @@
         </p:spPr>
         <p:txBody>
           <a:bodyPr>
-            <a:normAutofit/>
+            <a:normAutofit fontScale="92500" lnSpcReduction="10000"/>
           </a:bodyPr>
           <a:lstStyle/>
           <a:p>
-            <a:r>
-              <a:rPr lang="en-US" sz="2200" dirty="0"/>
-              <a:t>Point1</a:t>
-            </a:r>
-          </a:p>
-          <a:p>
-            <a:r>
-              <a:rPr lang="en-US" sz="2200" dirty="0"/>
-              <a:t>Point2</a:t>
+            <a:pPr marL="0" indent="0">
+              <a:buNone/>
+            </a:pPr>
+            <a:r>
+              <a:rPr lang="en-US" sz="2200" b="1">
+                <a:latin typeface="Times New Roman" panose="02020603050405020304" pitchFamily="18" charset="0"/>
+                <a:ea typeface="ADLaM Display" panose="020F0502020204030204" pitchFamily="2" charset="0"/>
+                <a:cs typeface="Times New Roman" panose="02020603050405020304" pitchFamily="18" charset="0"/>
+              </a:rPr>
+              <a:t>Current Technology Usage</a:t>
             </a:r>
           </a:p>
           <a:p>
             <a:pPr lvl="1"/>
             <a:r>
-              <a:rPr lang="en-US" sz="1800" dirty="0"/>
-              <a:t>Sub Point 1</a:t>
+              <a:rPr lang="en-US" sz="1800">
+                <a:latin typeface="Times New Roman" panose="02020603050405020304" pitchFamily="18" charset="0"/>
+                <a:ea typeface="ADLaM Display" panose="020F0502020204030204" pitchFamily="2" charset="0"/>
+                <a:cs typeface="Times New Roman" panose="02020603050405020304" pitchFamily="18" charset="0"/>
+              </a:rPr>
+              <a:t>Top 10 Languages Worked with</a:t>
             </a:r>
           </a:p>
           <a:p>
             <a:pPr lvl="1"/>
             <a:r>
-              <a:rPr lang="en-US" sz="1800" dirty="0"/>
-              <a:t>Sub Point 2</a:t>
+              <a:rPr lang="en-US" sz="1800">
+                <a:latin typeface="Times New Roman" panose="02020603050405020304" pitchFamily="18" charset="0"/>
+                <a:ea typeface="ADLaM Display" panose="020F0502020204030204" pitchFamily="2" charset="0"/>
+                <a:cs typeface="Times New Roman" panose="02020603050405020304" pitchFamily="18" charset="0"/>
+              </a:rPr>
+              <a:t>Top 10 Database Worked with</a:t>
             </a:r>
           </a:p>
           <a:p>
             <a:pPr lvl="1"/>
             <a:r>
-              <a:rPr lang="en-US" sz="1800" dirty="0"/>
-              <a:t>Sub Point 3</a:t>
-            </a:r>
-          </a:p>
-          <a:p>
-            <a:r>
-              <a:rPr lang="en-US" sz="2200" dirty="0"/>
-              <a:t>Point3</a:t>
-            </a:r>
-          </a:p>
-          <a:p>
-            <a:r>
-              <a:rPr lang="en-US" sz="2200" dirty="0"/>
-              <a:t>Point4</a:t>
-            </a:r>
-          </a:p>
-          <a:p>
-            <a:r>
-              <a:rPr lang="en-US" sz="2200" dirty="0"/>
-              <a:t>Point5</a:t>
-            </a:r>
+              <a:rPr lang="en-US" sz="1800">
+                <a:latin typeface="Times New Roman" panose="02020603050405020304" pitchFamily="18" charset="0"/>
+                <a:ea typeface="ADLaM Display" panose="020F0502020204030204" pitchFamily="2" charset="0"/>
+                <a:cs typeface="Times New Roman" panose="02020603050405020304" pitchFamily="18" charset="0"/>
+              </a:rPr>
+              <a:t>Platform worked with Word-Cloud</a:t>
+            </a:r>
+          </a:p>
+          <a:p>
+            <a:pPr lvl="1"/>
+            <a:r>
+              <a:rPr lang="en-US" sz="1800">
+                <a:latin typeface="Times New Roman" panose="02020603050405020304" pitchFamily="18" charset="0"/>
+                <a:ea typeface="ADLaM Display" panose="020F0502020204030204" pitchFamily="2" charset="0"/>
+                <a:cs typeface="Times New Roman" panose="02020603050405020304" pitchFamily="18" charset="0"/>
+              </a:rPr>
+              <a:t>Top 10 Web-frame Worked with</a:t>
+            </a:r>
+          </a:p>
+          <a:p>
+            <a:pPr marL="0" indent="0">
+              <a:buNone/>
+            </a:pPr>
+            <a:r>
+              <a:rPr lang="en-US" sz="2200" b="1">
+                <a:latin typeface="Times New Roman" panose="02020603050405020304" pitchFamily="18" charset="0"/>
+                <a:ea typeface="ADLaM Display" panose="020F0502020204030204" pitchFamily="2" charset="0"/>
+                <a:cs typeface="Times New Roman" panose="02020603050405020304" pitchFamily="18" charset="0"/>
+              </a:rPr>
+              <a:t>Future Technology Trend</a:t>
+            </a:r>
+          </a:p>
+          <a:p>
+            <a:pPr lvl="1"/>
+            <a:r>
+              <a:rPr lang="en-US" sz="1800">
+                <a:latin typeface="Times New Roman" panose="02020603050405020304" pitchFamily="18" charset="0"/>
+                <a:ea typeface="ADLaM Display" panose="020F0502020204030204" pitchFamily="2" charset="0"/>
+                <a:cs typeface="Times New Roman" panose="02020603050405020304" pitchFamily="18" charset="0"/>
+              </a:rPr>
+              <a:t>Top 10 Languages Desired Next Year</a:t>
+            </a:r>
+          </a:p>
+          <a:p>
+            <a:pPr lvl="1"/>
+            <a:r>
+              <a:rPr lang="en-US" sz="1800">
+                <a:latin typeface="Times New Roman" panose="02020603050405020304" pitchFamily="18" charset="0"/>
+                <a:ea typeface="ADLaM Display" panose="020F0502020204030204" pitchFamily="2" charset="0"/>
+                <a:cs typeface="Times New Roman" panose="02020603050405020304" pitchFamily="18" charset="0"/>
+              </a:rPr>
+              <a:t>Top 10 Database Desired Next Year</a:t>
+            </a:r>
+          </a:p>
+          <a:p>
+            <a:pPr lvl="1"/>
+            <a:r>
+              <a:rPr lang="en-US" sz="1800">
+                <a:latin typeface="Times New Roman" panose="02020603050405020304" pitchFamily="18" charset="0"/>
+                <a:ea typeface="ADLaM Display" panose="020F0502020204030204" pitchFamily="2" charset="0"/>
+                <a:cs typeface="Times New Roman" panose="02020603050405020304" pitchFamily="18" charset="0"/>
+              </a:rPr>
+              <a:t>Platform worked with Desired Next Year</a:t>
+            </a:r>
+          </a:p>
+          <a:p>
+            <a:pPr lvl="1"/>
+            <a:r>
+              <a:rPr lang="en-US" sz="1800">
+                <a:latin typeface="Times New Roman" panose="02020603050405020304" pitchFamily="18" charset="0"/>
+                <a:ea typeface="ADLaM Display" panose="020F0502020204030204" pitchFamily="2" charset="0"/>
+                <a:cs typeface="Times New Roman" panose="02020603050405020304" pitchFamily="18" charset="0"/>
+              </a:rPr>
+              <a:t>Top 10 Web-frame Desired Next Year</a:t>
+            </a:r>
+          </a:p>
+          <a:p>
+            <a:pPr marL="0" indent="0">
+              <a:buNone/>
+            </a:pPr>
+            <a:r>
+              <a:rPr lang="en-US" sz="2200" b="1">
+                <a:latin typeface="Times New Roman" panose="02020603050405020304" pitchFamily="18" charset="0"/>
+                <a:ea typeface="ADLaM Display" panose="020F0502020204030204" pitchFamily="2" charset="0"/>
+                <a:cs typeface="Times New Roman" panose="02020603050405020304" pitchFamily="18" charset="0"/>
+              </a:rPr>
+              <a:t>Demographics</a:t>
+            </a:r>
+          </a:p>
+          <a:p>
+            <a:pPr lvl="1"/>
+            <a:r>
+              <a:rPr lang="en-US" sz="1800">
+                <a:latin typeface="Times New Roman" panose="02020603050405020304" pitchFamily="18" charset="0"/>
+                <a:ea typeface="ADLaM Display" panose="020F0502020204030204" pitchFamily="2" charset="0"/>
+                <a:cs typeface="Times New Roman" panose="02020603050405020304" pitchFamily="18" charset="0"/>
+              </a:rPr>
+              <a:t>Respondents Classified by Gender</a:t>
+            </a:r>
+          </a:p>
+          <a:p>
+            <a:pPr lvl="1"/>
+            <a:r>
+              <a:rPr lang="en-US" sz="1800">
+                <a:latin typeface="Times New Roman" panose="02020603050405020304" pitchFamily="18" charset="0"/>
+                <a:ea typeface="ADLaM Display" panose="020F0502020204030204" pitchFamily="2" charset="0"/>
+                <a:cs typeface="Times New Roman" panose="02020603050405020304" pitchFamily="18" charset="0"/>
+              </a:rPr>
+              <a:t>Respondent Count for Countries</a:t>
+            </a:r>
+          </a:p>
+          <a:p>
+            <a:pPr lvl="1"/>
+            <a:r>
+              <a:rPr lang="en-US" sz="1800">
+                <a:latin typeface="Times New Roman" panose="02020603050405020304" pitchFamily="18" charset="0"/>
+                <a:ea typeface="ADLaM Display" panose="020F0502020204030204" pitchFamily="2" charset="0"/>
+                <a:cs typeface="Times New Roman" panose="02020603050405020304" pitchFamily="18" charset="0"/>
+              </a:rPr>
+              <a:t>Respondent Count by Age</a:t>
+            </a:r>
+          </a:p>
+          <a:p>
+            <a:pPr lvl="1"/>
+            <a:r>
+              <a:rPr lang="en-US" sz="1800">
+                <a:latin typeface="Times New Roman" panose="02020603050405020304" pitchFamily="18" charset="0"/>
+                <a:ea typeface="ADLaM Display" panose="020F0502020204030204" pitchFamily="2" charset="0"/>
+                <a:cs typeface="Times New Roman" panose="02020603050405020304" pitchFamily="18" charset="0"/>
+              </a:rPr>
+              <a:t>Respondent Count by Gender by Formal Education Level</a:t>
+            </a:r>
+            <a:endParaRPr lang="en-US" sz="1800" dirty="0">
+              <a:latin typeface="Times New Roman" panose="02020603050405020304" pitchFamily="18" charset="0"/>
+              <a:ea typeface="ADLaM Display" panose="020F0502020204030204" pitchFamily="2" charset="0"/>
+              <a:cs typeface="Times New Roman" panose="02020603050405020304" pitchFamily="18" charset="0"/>
+            </a:endParaRPr>
           </a:p>
         </p:txBody>
       </p:sp>
@@ -8823,41 +9206,38 @@
           <a:p>
             <a:r>
               <a:rPr lang="en-US" sz="2200"/>
-              <a:t>Point1</a:t>
-            </a:r>
+              <a:t>This presentation is designed for stakeholders and business decision-makers within a global IT and business consulting services firm.</a:t>
+            </a:r>
+          </a:p>
+          <a:p>
+            <a:endParaRPr lang="en-US" sz="2200"/>
           </a:p>
           <a:p>
             <a:r>
               <a:rPr lang="en-US" sz="2200"/>
-              <a:t>Point2</a:t>
-            </a:r>
+              <a:t>Its purpose is to pinpoint forthcoming skill prerequisites within the global IT sector essential for the company to stay abreast of evolving technologies and sustain competitiveness.</a:t>
+            </a:r>
+          </a:p>
+          <a:p>
+            <a:endParaRPr lang="en-US" sz="2200"/>
           </a:p>
           <a:p>
             <a:r>
               <a:rPr lang="en-US" sz="2200"/>
-              <a:t>Point3</a:t>
-            </a:r>
-          </a:p>
-          <a:p>
-            <a:r>
-              <a:rPr lang="en-US" sz="2200"/>
-              <a:t>Point4</a:t>
-            </a:r>
-          </a:p>
-          <a:p>
-            <a:pPr lvl="1"/>
-            <a:r>
-              <a:rPr lang="en-US" sz="1800"/>
-              <a:t>Sub Point1</a:t>
-            </a:r>
-          </a:p>
-          <a:p>
-            <a:pPr lvl="1"/>
-            <a:r>
-              <a:rPr lang="en-US" sz="1800"/>
-              <a:t>Sub Point2</a:t>
-            </a:r>
-            <a:endParaRPr lang="en-US" sz="1800" dirty="0"/>
+              <a:t>Recommendations will be outlined based on the analysis conducted.</a:t>
+            </a:r>
+          </a:p>
+          <a:p>
+            <a:endParaRPr lang="en-US" sz="2200"/>
+          </a:p>
+          <a:p>
+            <a:endParaRPr lang="en-US" sz="2200"/>
+          </a:p>
+          <a:p>
+            <a:endParaRPr lang="en-US" sz="2200"/>
+          </a:p>
+          <a:p>
+            <a:endParaRPr lang="en-US" sz="2200"/>
           </a:p>
         </p:txBody>
       </p:sp>
@@ -8944,51 +9324,103 @@
         </p:nvSpPr>
         <p:spPr>
           <a:xfrm>
-            <a:off x="4285075" y="1825625"/>
-            <a:ext cx="7068725" cy="4351338"/>
+            <a:off x="3341723" y="1337480"/>
+            <a:ext cx="8645562" cy="5143878"/>
           </a:xfrm>
         </p:spPr>
         <p:txBody>
           <a:bodyPr>
-            <a:normAutofit/>
+            <a:noAutofit/>
           </a:bodyPr>
           <a:lstStyle/>
           <a:p>
             <a:r>
-              <a:rPr lang="en-US" sz="2200" dirty="0"/>
-              <a:t>Point1</a:t>
-            </a:r>
-          </a:p>
-          <a:p>
-            <a:r>
-              <a:rPr lang="en-US" sz="2200" dirty="0"/>
-              <a:t>Point2</a:t>
-            </a:r>
-          </a:p>
-          <a:p>
-            <a:r>
-              <a:rPr lang="en-US" sz="2200" dirty="0"/>
-              <a:t>Point3</a:t>
-            </a:r>
-          </a:p>
-          <a:p>
-            <a:r>
-              <a:rPr lang="en-US" sz="2200" dirty="0"/>
-              <a:t>Point4</a:t>
-            </a:r>
-          </a:p>
-          <a:p>
-            <a:pPr lvl="1"/>
-            <a:r>
-              <a:rPr lang="en-US" sz="1800" dirty="0"/>
-              <a:t>Sub Point1</a:t>
-            </a:r>
-          </a:p>
-          <a:p>
-            <a:pPr lvl="1"/>
-            <a:r>
-              <a:rPr lang="en-US" sz="1800" dirty="0"/>
-              <a:t>Sub Point2</a:t>
+              <a:rPr lang="en-US" sz="1700" b="1"/>
+              <a:t>Collecting Data: </a:t>
+            </a:r>
+            <a:r>
+              <a:rPr lang="en-US" sz="1700"/>
+              <a:t>Utilizing the Stack Overflow Developer Survey API, Employing web scraping techniques to gather data.</a:t>
+            </a:r>
+          </a:p>
+          <a:p>
+            <a:r>
+              <a:rPr lang="en-US" sz="1700" b="1"/>
+              <a:t>Exploring Data</a:t>
+            </a:r>
+            <a:r>
+              <a:rPr lang="en-US" sz="1700"/>
+              <a:t>: Investigating the collected data to understand its structure and content.</a:t>
+            </a:r>
+          </a:p>
+          <a:p>
+            <a:r>
+              <a:rPr lang="en-US" sz="1700" b="1"/>
+              <a:t>Finding Duplicates &amp; Removing Duplicates: </a:t>
+            </a:r>
+            <a:r>
+              <a:rPr lang="en-US" sz="1700"/>
+              <a:t>Identifying duplicate entries within the dataset and eliminating them to ensure data integrity.</a:t>
+            </a:r>
+          </a:p>
+          <a:p>
+            <a:r>
+              <a:rPr lang="en-US" sz="1700" b="1"/>
+              <a:t>Finding &amp; Imputing Missing Values</a:t>
+            </a:r>
+            <a:r>
+              <a:rPr lang="en-US" sz="1700"/>
+              <a:t>: Detecting missing values in the dataset and implementing strategies to fill in or impute these missing values.</a:t>
+            </a:r>
+          </a:p>
+          <a:p>
+            <a:r>
+              <a:rPr lang="en-US" sz="1700" b="1"/>
+              <a:t>Normalizing Data</a:t>
+            </a:r>
+            <a:r>
+              <a:rPr lang="en-US" sz="1700"/>
+              <a:t>: Standardizing the data to a common scale to facilitate comparisons and analyses.</a:t>
+            </a:r>
+          </a:p>
+          <a:p>
+            <a:r>
+              <a:rPr lang="en-US" sz="1700" b="1"/>
+              <a:t>Handling Outliers: </a:t>
+            </a:r>
+            <a:r>
+              <a:rPr lang="en-US" sz="1700"/>
+              <a:t>Identifying outliers within the dataset and employing appropriate methods to handle them, such as removing or transforming them.</a:t>
+            </a:r>
+          </a:p>
+          <a:p>
+            <a:r>
+              <a:rPr lang="en-US" sz="1700" b="1"/>
+              <a:t>Correlation</a:t>
+            </a:r>
+            <a:r>
+              <a:rPr lang="en-US" sz="1700"/>
+              <a:t>: Analyzing the relationships between different variables in the dataset to understand their correlation and dependencies.</a:t>
+            </a:r>
+          </a:p>
+          <a:p>
+            <a:r>
+              <a:rPr lang="en-US" sz="1700" b="1"/>
+              <a:t>Visualization Data: </a:t>
+            </a:r>
+            <a:r>
+              <a:rPr lang="en-US" sz="1700"/>
+              <a:t>Creating visual representations of the data to gain insights and communicate findings effectively.</a:t>
+            </a:r>
+          </a:p>
+          <a:p>
+            <a:r>
+              <a:rPr lang="en-US" sz="1700" b="1"/>
+              <a:t>Building Dashboard: </a:t>
+            </a:r>
+            <a:r>
+              <a:rPr lang="en-US" sz="1700"/>
+              <a:t>Developing a dashboard interface to present the analyzed data in an interactive and user-friendly manner for further exploration and decision-making.</a:t>
             </a:r>
           </a:p>
         </p:txBody>
@@ -9015,7 +9447,7 @@
         </p:blipFill>
         <p:spPr>
           <a:xfrm>
-            <a:off x="979655" y="1831709"/>
+            <a:off x="351858" y="1891917"/>
             <a:ext cx="3194581" cy="3194581"/>
           </a:xfrm>
           <a:prstGeom prst="rect">
@@ -9261,208 +9693,6 @@
             <a:r>
               <a:rPr lang="en-US" dirty="0"/>
               <a:t>Next Year</a:t>
-            </a:r>
-          </a:p>
-        </p:txBody>
-      </p:sp>
-      <p:sp>
-        <p:nvSpPr>
-          <p:cNvPr id="8" name="Content Placeholder 2">
-            <a:extLst>
-              <a:ext uri="{FF2B5EF4-FFF2-40B4-BE49-F238E27FC236}">
-                <a16:creationId xmlns:a16="http://schemas.microsoft.com/office/drawing/2014/main" id="{D13C2F43-A283-4FD4-9C0D-BFF93C50AC01}"/>
-              </a:ext>
-            </a:extLst>
-          </p:cNvPr>
-          <p:cNvSpPr txBox="1">
-            <a:spLocks/>
-          </p:cNvSpPr>
-          <p:nvPr/>
-        </p:nvSpPr>
-        <p:spPr>
-          <a:xfrm>
-            <a:off x="838199" y="2506661"/>
-            <a:ext cx="4614949" cy="3670301"/>
-          </a:xfrm>
-          <a:prstGeom prst="rect">
-            <a:avLst/>
-          </a:prstGeom>
-        </p:spPr>
-        <p:txBody>
-          <a:bodyPr vert="horz" lIns="91440" tIns="45720" rIns="91440" bIns="45720" rtlCol="0">
-            <a:normAutofit/>
-          </a:bodyPr>
-          <a:lstStyle>
-            <a:lvl1pPr marL="228600" indent="-228600" algn="l" defTabSz="914400" rtl="0" eaLnBrk="1" latinLnBrk="0" hangingPunct="1">
-              <a:lnSpc>
-                <a:spcPct val="90000"/>
-              </a:lnSpc>
-              <a:spcBef>
-                <a:spcPts val="1000"/>
-              </a:spcBef>
-              <a:buFont typeface="Arial"/>
-              <a:buChar char="•"/>
-              <a:defRPr sz="2800" kern="1200">
-                <a:solidFill>
-                  <a:srgbClr val="0070C0"/>
-                </a:solidFill>
-                <a:latin typeface="IBM Plex Mono Text" panose="020B0509050203000203" pitchFamily="49" charset="0"/>
-                <a:ea typeface="+mn-ea"/>
-                <a:cs typeface="+mn-cs"/>
-              </a:defRPr>
-            </a:lvl1pPr>
-            <a:lvl2pPr marL="685800" indent="-228600" algn="l" defTabSz="914400" rtl="0" eaLnBrk="1" latinLnBrk="0" hangingPunct="1">
-              <a:lnSpc>
-                <a:spcPct val="90000"/>
-              </a:lnSpc>
-              <a:spcBef>
-                <a:spcPts val="500"/>
-              </a:spcBef>
-              <a:buFont typeface="Arial"/>
-              <a:buChar char="•"/>
-              <a:defRPr sz="2400" kern="1200">
-                <a:solidFill>
-                  <a:srgbClr val="0070C0"/>
-                </a:solidFill>
-                <a:latin typeface="IBM Plex Mono Text" panose="020B0509050203000203" pitchFamily="49" charset="0"/>
-                <a:ea typeface="+mn-ea"/>
-                <a:cs typeface="+mn-cs"/>
-              </a:defRPr>
-            </a:lvl2pPr>
-            <a:lvl3pPr marL="1143000" indent="-228600" algn="l" defTabSz="914400" rtl="0" eaLnBrk="1" latinLnBrk="0" hangingPunct="1">
-              <a:lnSpc>
-                <a:spcPct val="90000"/>
-              </a:lnSpc>
-              <a:spcBef>
-                <a:spcPts val="500"/>
-              </a:spcBef>
-              <a:buFont typeface="Arial"/>
-              <a:buChar char="•"/>
-              <a:defRPr sz="2000" kern="1200">
-                <a:solidFill>
-                  <a:srgbClr val="0070C0"/>
-                </a:solidFill>
-                <a:latin typeface="IBM Plex Mono Text" panose="020B0509050203000203" pitchFamily="49" charset="0"/>
-                <a:ea typeface="+mn-ea"/>
-                <a:cs typeface="+mn-cs"/>
-              </a:defRPr>
-            </a:lvl3pPr>
-            <a:lvl4pPr marL="1600200" indent="-228600" algn="l" defTabSz="914400" rtl="0" eaLnBrk="1" latinLnBrk="0" hangingPunct="1">
-              <a:lnSpc>
-                <a:spcPct val="90000"/>
-              </a:lnSpc>
-              <a:spcBef>
-                <a:spcPts val="500"/>
-              </a:spcBef>
-              <a:buFont typeface="Arial"/>
-              <a:buChar char="•"/>
-              <a:defRPr sz="1800" kern="1200">
-                <a:solidFill>
-                  <a:srgbClr val="0070C0"/>
-                </a:solidFill>
-                <a:latin typeface="IBM Plex Mono Text" panose="020B0509050203000203" pitchFamily="49" charset="0"/>
-                <a:ea typeface="+mn-ea"/>
-                <a:cs typeface="+mn-cs"/>
-              </a:defRPr>
-            </a:lvl4pPr>
-            <a:lvl5pPr marL="2057400" indent="-228600" algn="l" defTabSz="914400" rtl="0" eaLnBrk="1" latinLnBrk="0" hangingPunct="1">
-              <a:lnSpc>
-                <a:spcPct val="90000"/>
-              </a:lnSpc>
-              <a:spcBef>
-                <a:spcPts val="500"/>
-              </a:spcBef>
-              <a:buFont typeface="Arial"/>
-              <a:buChar char="•"/>
-              <a:defRPr sz="1800" kern="1200">
-                <a:solidFill>
-                  <a:srgbClr val="0070C0"/>
-                </a:solidFill>
-                <a:latin typeface="IBM Plex Mono Text" panose="020B0509050203000203" pitchFamily="49" charset="0"/>
-                <a:ea typeface="+mn-ea"/>
-                <a:cs typeface="+mn-cs"/>
-              </a:defRPr>
-            </a:lvl5pPr>
-            <a:lvl6pPr marL="2514600" indent="-228600" algn="l" defTabSz="914400" rtl="0" eaLnBrk="1" latinLnBrk="0" hangingPunct="1">
-              <a:lnSpc>
-                <a:spcPct val="90000"/>
-              </a:lnSpc>
-              <a:spcBef>
-                <a:spcPts val="500"/>
-              </a:spcBef>
-              <a:buFont typeface="Arial"/>
-              <a:buChar char="•"/>
-              <a:defRPr sz="1800" kern="1200">
-                <a:solidFill>
-                  <a:schemeClr val="tx1"/>
-                </a:solidFill>
-                <a:latin typeface="+mn-lt"/>
-                <a:ea typeface="+mn-ea"/>
-                <a:cs typeface="+mn-cs"/>
-              </a:defRPr>
-            </a:lvl6pPr>
-            <a:lvl7pPr marL="2971800" indent="-228600" algn="l" defTabSz="914400" rtl="0" eaLnBrk="1" latinLnBrk="0" hangingPunct="1">
-              <a:lnSpc>
-                <a:spcPct val="90000"/>
-              </a:lnSpc>
-              <a:spcBef>
-                <a:spcPts val="500"/>
-              </a:spcBef>
-              <a:buFont typeface="Arial"/>
-              <a:buChar char="•"/>
-              <a:defRPr sz="1800" kern="1200">
-                <a:solidFill>
-                  <a:schemeClr val="tx1"/>
-                </a:solidFill>
-                <a:latin typeface="+mn-lt"/>
-                <a:ea typeface="+mn-ea"/>
-                <a:cs typeface="+mn-cs"/>
-              </a:defRPr>
-            </a:lvl7pPr>
-            <a:lvl8pPr marL="3429000" indent="-228600" algn="l" defTabSz="914400" rtl="0" eaLnBrk="1" latinLnBrk="0" hangingPunct="1">
-              <a:lnSpc>
-                <a:spcPct val="90000"/>
-              </a:lnSpc>
-              <a:spcBef>
-                <a:spcPts val="500"/>
-              </a:spcBef>
-              <a:buFont typeface="Arial"/>
-              <a:buChar char="•"/>
-              <a:defRPr sz="1800" kern="1200">
-                <a:solidFill>
-                  <a:schemeClr val="tx1"/>
-                </a:solidFill>
-                <a:latin typeface="+mn-lt"/>
-                <a:ea typeface="+mn-ea"/>
-                <a:cs typeface="+mn-cs"/>
-              </a:defRPr>
-            </a:lvl8pPr>
-            <a:lvl9pPr marL="3886200" indent="-228600" algn="l" defTabSz="914400" rtl="0" eaLnBrk="1" latinLnBrk="0" hangingPunct="1">
-              <a:lnSpc>
-                <a:spcPct val="90000"/>
-              </a:lnSpc>
-              <a:spcBef>
-                <a:spcPts val="500"/>
-              </a:spcBef>
-              <a:buFont typeface="Arial"/>
-              <a:buChar char="•"/>
-              <a:defRPr sz="1800" kern="1200">
-                <a:solidFill>
-                  <a:schemeClr val="tx1"/>
-                </a:solidFill>
-                <a:latin typeface="+mn-lt"/>
-                <a:ea typeface="+mn-ea"/>
-                <a:cs typeface="+mn-cs"/>
-              </a:defRPr>
-            </a:lvl9pPr>
-          </a:lstStyle>
-          <a:p>
-            <a:pPr marL="0" indent="0">
-              <a:buNone/>
-            </a:pPr>
-            <a:r>
-              <a:rPr lang="en-US" sz="2200" dirty="0"/>
-              <a:t>&lt;Bar chart of top 10 programming languages for the current year goes here.&gt;</a:t>
             </a:r>
           </a:p>
         </p:txBody>
@@ -9669,6 +9899,66 @@
           </a:p>
         </p:txBody>
       </p:sp>
+      <p:pic>
+        <p:nvPicPr>
+          <p:cNvPr id="6" name="Picture 5">
+            <a:extLst>
+              <a:ext uri="{FF2B5EF4-FFF2-40B4-BE49-F238E27FC236}">
+                <a16:creationId xmlns:a16="http://schemas.microsoft.com/office/drawing/2014/main" id="{C104C386-8B67-09FB-B02B-5BDE5C6F9131}"/>
+              </a:ext>
+            </a:extLst>
+          </p:cNvPr>
+          <p:cNvPicPr>
+            <a:picLocks noChangeAspect="1"/>
+          </p:cNvPicPr>
+          <p:nvPr/>
+        </p:nvPicPr>
+        <p:blipFill>
+          <a:blip r:embed="rId3"/>
+          <a:stretch>
+            <a:fillRect/>
+          </a:stretch>
+        </p:blipFill>
+        <p:spPr>
+          <a:xfrm>
+            <a:off x="328075" y="2236492"/>
+            <a:ext cx="5767925" cy="4210638"/>
+          </a:xfrm>
+          <a:prstGeom prst="rect">
+            <a:avLst/>
+          </a:prstGeom>
+        </p:spPr>
+      </p:pic>
+      <p:pic>
+        <p:nvPicPr>
+          <p:cNvPr id="9" name="Picture 8">
+            <a:extLst>
+              <a:ext uri="{FF2B5EF4-FFF2-40B4-BE49-F238E27FC236}">
+                <a16:creationId xmlns:a16="http://schemas.microsoft.com/office/drawing/2014/main" id="{69C8D6EC-2D16-9510-2246-AF3FCCF57FAB}"/>
+              </a:ext>
+            </a:extLst>
+          </p:cNvPr>
+          <p:cNvPicPr>
+            <a:picLocks noChangeAspect="1"/>
+          </p:cNvPicPr>
+          <p:nvPr/>
+        </p:nvPicPr>
+        <p:blipFill>
+          <a:blip r:embed="rId4"/>
+          <a:stretch>
+            <a:fillRect/>
+          </a:stretch>
+        </p:blipFill>
+        <p:spPr>
+          <a:xfrm>
+            <a:off x="6096000" y="2291764"/>
+            <a:ext cx="5865126" cy="4201111"/>
+          </a:xfrm>
+          <a:prstGeom prst="rect">
+            <a:avLst/>
+          </a:prstGeom>
+        </p:spPr>
+      </p:pic>
     </p:spTree>
     <p:extLst>
       <p:ext uri="{BB962C8B-B14F-4D97-AF65-F5344CB8AC3E}">
@@ -9752,7 +10042,9 @@
           </a:xfrm>
         </p:spPr>
         <p:txBody>
-          <a:bodyPr/>
+          <a:bodyPr>
+            <a:normAutofit fontScale="92500" lnSpcReduction="20000"/>
+          </a:bodyPr>
           <a:lstStyle/>
           <a:p>
             <a:pPr marL="0" indent="0">
@@ -9771,21 +10063,22 @@
           </a:p>
           <a:p>
             <a:r>
-              <a:rPr lang="en-US" dirty="0"/>
-              <a:t>Finding 1</a:t>
-            </a:r>
-          </a:p>
-          <a:p>
-            <a:r>
-              <a:rPr lang="en-US" dirty="0"/>
-              <a:t>Finding 2</a:t>
-            </a:r>
-          </a:p>
-          <a:p>
-            <a:r>
-              <a:rPr lang="en-US" dirty="0"/>
-              <a:t>Finding 3</a:t>
-            </a:r>
+              <a:rPr lang="en-US"/>
+              <a:t>JavaScript and SQL retain their positions as the top two most popular programming languages for the current and JavaScript and HTML/CSS upcoming year.</a:t>
+            </a:r>
+          </a:p>
+          <a:p>
+            <a:r>
+              <a:rPr lang="en-US"/>
+              <a:t>Python and TypeScript are experiencing increased interest for the following year.</a:t>
+            </a:r>
+          </a:p>
+          <a:p>
+            <a:r>
+              <a:rPr lang="en-US"/>
+              <a:t>Conversely, interest in SQL and Bash/Shell/PowerShell has declined.</a:t>
+            </a:r>
+            <a:endParaRPr lang="en-US" dirty="0"/>
           </a:p>
         </p:txBody>
       </p:sp>
@@ -9807,7 +10100,9 @@
         </p:nvSpPr>
         <p:spPr/>
         <p:txBody>
-          <a:bodyPr/>
+          <a:bodyPr>
+            <a:normAutofit fontScale="92500" lnSpcReduction="20000"/>
+          </a:bodyPr>
           <a:lstStyle/>
           <a:p>
             <a:pPr marL="0" indent="0">
@@ -9826,21 +10121,22 @@
           </a:p>
           <a:p>
             <a:r>
-              <a:rPr lang="en-US" dirty="0"/>
-              <a:t>Implication 1</a:t>
-            </a:r>
-          </a:p>
-          <a:p>
-            <a:r>
-              <a:rPr lang="en-US" dirty="0"/>
-              <a:t>Implication 2</a:t>
-            </a:r>
-          </a:p>
-          <a:p>
-            <a:r>
-              <a:rPr lang="en-US" dirty="0"/>
-              <a:t>Implication 3</a:t>
-            </a:r>
+              <a:rPr lang="en-US"/>
+              <a:t>You can maintain a similar number of employees skilled in JavaScript and HTML/CSS.</a:t>
+            </a:r>
+          </a:p>
+          <a:p>
+            <a:r>
+              <a:rPr lang="en-US"/>
+              <a:t>You can increase the number of employees skilled in Python and TypeScript.</a:t>
+            </a:r>
+          </a:p>
+          <a:p>
+            <a:r>
+              <a:rPr lang="en-US"/>
+              <a:t>You can decrease the number of employees skilled in SQL and Bash/Shell/PowerShell.</a:t>
+            </a:r>
+            <a:endParaRPr lang="en-US" dirty="0"/>
           </a:p>
         </p:txBody>
       </p:sp>
@@ -9979,410 +10275,66 @@
           </a:p>
         </p:txBody>
       </p:sp>
-      <p:sp>
-        <p:nvSpPr>
-          <p:cNvPr id="8" name="Content Placeholder 2">
+      <p:pic>
+        <p:nvPicPr>
+          <p:cNvPr id="6" name="Picture 5">
             <a:extLst>
               <a:ext uri="{FF2B5EF4-FFF2-40B4-BE49-F238E27FC236}">
-                <a16:creationId xmlns:a16="http://schemas.microsoft.com/office/drawing/2014/main" id="{D13C2F43-A283-4FD4-9C0D-BFF93C50AC01}"/>
+                <a16:creationId xmlns:a16="http://schemas.microsoft.com/office/drawing/2014/main" id="{EE2C6A04-A1E1-D699-024A-983E80008312}"/>
               </a:ext>
             </a:extLst>
           </p:cNvPr>
-          <p:cNvSpPr txBox="1">
-            <a:spLocks/>
-          </p:cNvSpPr>
+          <p:cNvPicPr>
+            <a:picLocks noChangeAspect="1"/>
+          </p:cNvPicPr>
           <p:nvPr/>
-        </p:nvSpPr>
+        </p:nvPicPr>
+        <p:blipFill>
+          <a:blip r:embed="rId3"/>
+          <a:stretch>
+            <a:fillRect/>
+          </a:stretch>
+        </p:blipFill>
         <p:spPr>
           <a:xfrm>
-            <a:off x="838199" y="2506661"/>
-            <a:ext cx="4614949" cy="3670301"/>
+            <a:off x="1" y="2410829"/>
+            <a:ext cx="6172200" cy="4018404"/>
           </a:xfrm>
           <a:prstGeom prst="rect">
             <a:avLst/>
           </a:prstGeom>
         </p:spPr>
-        <p:txBody>
-          <a:bodyPr vert="horz" lIns="91440" tIns="45720" rIns="91440" bIns="45720" rtlCol="0">
-            <a:normAutofit/>
-          </a:bodyPr>
-          <a:lstStyle>
-            <a:lvl1pPr marL="228600" indent="-228600" algn="l" defTabSz="914400" rtl="0" eaLnBrk="1" latinLnBrk="0" hangingPunct="1">
-              <a:lnSpc>
-                <a:spcPct val="90000"/>
-              </a:lnSpc>
-              <a:spcBef>
-                <a:spcPts val="1000"/>
-              </a:spcBef>
-              <a:buFont typeface="Arial"/>
-              <a:buChar char="•"/>
-              <a:defRPr sz="2800" kern="1200">
-                <a:solidFill>
-                  <a:srgbClr val="0070C0"/>
-                </a:solidFill>
-                <a:latin typeface="IBM Plex Mono Text" panose="020B0509050203000203" pitchFamily="49" charset="0"/>
-                <a:ea typeface="+mn-ea"/>
-                <a:cs typeface="+mn-cs"/>
-              </a:defRPr>
-            </a:lvl1pPr>
-            <a:lvl2pPr marL="685800" indent="-228600" algn="l" defTabSz="914400" rtl="0" eaLnBrk="1" latinLnBrk="0" hangingPunct="1">
-              <a:lnSpc>
-                <a:spcPct val="90000"/>
-              </a:lnSpc>
-              <a:spcBef>
-                <a:spcPts val="500"/>
-              </a:spcBef>
-              <a:buFont typeface="Arial"/>
-              <a:buChar char="•"/>
-              <a:defRPr sz="2400" kern="1200">
-                <a:solidFill>
-                  <a:srgbClr val="0070C0"/>
-                </a:solidFill>
-                <a:latin typeface="IBM Plex Mono Text" panose="020B0509050203000203" pitchFamily="49" charset="0"/>
-                <a:ea typeface="+mn-ea"/>
-                <a:cs typeface="+mn-cs"/>
-              </a:defRPr>
-            </a:lvl2pPr>
-            <a:lvl3pPr marL="1143000" indent="-228600" algn="l" defTabSz="914400" rtl="0" eaLnBrk="1" latinLnBrk="0" hangingPunct="1">
-              <a:lnSpc>
-                <a:spcPct val="90000"/>
-              </a:lnSpc>
-              <a:spcBef>
-                <a:spcPts val="500"/>
-              </a:spcBef>
-              <a:buFont typeface="Arial"/>
-              <a:buChar char="•"/>
-              <a:defRPr sz="2000" kern="1200">
-                <a:solidFill>
-                  <a:srgbClr val="0070C0"/>
-                </a:solidFill>
-                <a:latin typeface="IBM Plex Mono Text" panose="020B0509050203000203" pitchFamily="49" charset="0"/>
-                <a:ea typeface="+mn-ea"/>
-                <a:cs typeface="+mn-cs"/>
-              </a:defRPr>
-            </a:lvl3pPr>
-            <a:lvl4pPr marL="1600200" indent="-228600" algn="l" defTabSz="914400" rtl="0" eaLnBrk="1" latinLnBrk="0" hangingPunct="1">
-              <a:lnSpc>
-                <a:spcPct val="90000"/>
-              </a:lnSpc>
-              <a:spcBef>
-                <a:spcPts val="500"/>
-              </a:spcBef>
-              <a:buFont typeface="Arial"/>
-              <a:buChar char="•"/>
-              <a:defRPr sz="1800" kern="1200">
-                <a:solidFill>
-                  <a:srgbClr val="0070C0"/>
-                </a:solidFill>
-                <a:latin typeface="IBM Plex Mono Text" panose="020B0509050203000203" pitchFamily="49" charset="0"/>
-                <a:ea typeface="+mn-ea"/>
-                <a:cs typeface="+mn-cs"/>
-              </a:defRPr>
-            </a:lvl4pPr>
-            <a:lvl5pPr marL="2057400" indent="-228600" algn="l" defTabSz="914400" rtl="0" eaLnBrk="1" latinLnBrk="0" hangingPunct="1">
-              <a:lnSpc>
-                <a:spcPct val="90000"/>
-              </a:lnSpc>
-              <a:spcBef>
-                <a:spcPts val="500"/>
-              </a:spcBef>
-              <a:buFont typeface="Arial"/>
-              <a:buChar char="•"/>
-              <a:defRPr sz="1800" kern="1200">
-                <a:solidFill>
-                  <a:srgbClr val="0070C0"/>
-                </a:solidFill>
-                <a:latin typeface="IBM Plex Mono Text" panose="020B0509050203000203" pitchFamily="49" charset="0"/>
-                <a:ea typeface="+mn-ea"/>
-                <a:cs typeface="+mn-cs"/>
-              </a:defRPr>
-            </a:lvl5pPr>
-            <a:lvl6pPr marL="2514600" indent="-228600" algn="l" defTabSz="914400" rtl="0" eaLnBrk="1" latinLnBrk="0" hangingPunct="1">
-              <a:lnSpc>
-                <a:spcPct val="90000"/>
-              </a:lnSpc>
-              <a:spcBef>
-                <a:spcPts val="500"/>
-              </a:spcBef>
-              <a:buFont typeface="Arial"/>
-              <a:buChar char="•"/>
-              <a:defRPr sz="1800" kern="1200">
-                <a:solidFill>
-                  <a:schemeClr val="tx1"/>
-                </a:solidFill>
-                <a:latin typeface="+mn-lt"/>
-                <a:ea typeface="+mn-ea"/>
-                <a:cs typeface="+mn-cs"/>
-              </a:defRPr>
-            </a:lvl6pPr>
-            <a:lvl7pPr marL="2971800" indent="-228600" algn="l" defTabSz="914400" rtl="0" eaLnBrk="1" latinLnBrk="0" hangingPunct="1">
-              <a:lnSpc>
-                <a:spcPct val="90000"/>
-              </a:lnSpc>
-              <a:spcBef>
-                <a:spcPts val="500"/>
-              </a:spcBef>
-              <a:buFont typeface="Arial"/>
-              <a:buChar char="•"/>
-              <a:defRPr sz="1800" kern="1200">
-                <a:solidFill>
-                  <a:schemeClr val="tx1"/>
-                </a:solidFill>
-                <a:latin typeface="+mn-lt"/>
-                <a:ea typeface="+mn-ea"/>
-                <a:cs typeface="+mn-cs"/>
-              </a:defRPr>
-            </a:lvl7pPr>
-            <a:lvl8pPr marL="3429000" indent="-228600" algn="l" defTabSz="914400" rtl="0" eaLnBrk="1" latinLnBrk="0" hangingPunct="1">
-              <a:lnSpc>
-                <a:spcPct val="90000"/>
-              </a:lnSpc>
-              <a:spcBef>
-                <a:spcPts val="500"/>
-              </a:spcBef>
-              <a:buFont typeface="Arial"/>
-              <a:buChar char="•"/>
-              <a:defRPr sz="1800" kern="1200">
-                <a:solidFill>
-                  <a:schemeClr val="tx1"/>
-                </a:solidFill>
-                <a:latin typeface="+mn-lt"/>
-                <a:ea typeface="+mn-ea"/>
-                <a:cs typeface="+mn-cs"/>
-              </a:defRPr>
-            </a:lvl8pPr>
-            <a:lvl9pPr marL="3886200" indent="-228600" algn="l" defTabSz="914400" rtl="0" eaLnBrk="1" latinLnBrk="0" hangingPunct="1">
-              <a:lnSpc>
-                <a:spcPct val="90000"/>
-              </a:lnSpc>
-              <a:spcBef>
-                <a:spcPts val="500"/>
-              </a:spcBef>
-              <a:buFont typeface="Arial"/>
-              <a:buChar char="•"/>
-              <a:defRPr sz="1800" kern="1200">
-                <a:solidFill>
-                  <a:schemeClr val="tx1"/>
-                </a:solidFill>
-                <a:latin typeface="+mn-lt"/>
-                <a:ea typeface="+mn-ea"/>
-                <a:cs typeface="+mn-cs"/>
-              </a:defRPr>
-            </a:lvl9pPr>
-          </a:lstStyle>
-          <a:p>
-            <a:pPr marL="0" indent="0">
-              <a:buNone/>
-            </a:pPr>
-            <a:r>
-              <a:rPr lang="en-US" sz="2200" dirty="0"/>
-              <a:t>&lt; Bar chart of top 10 databases for the current year goes here &gt;</a:t>
-            </a:r>
-          </a:p>
-        </p:txBody>
-      </p:sp>
-      <p:sp>
-        <p:nvSpPr>
-          <p:cNvPr id="10" name="Content Placeholder 2">
+      </p:pic>
+      <p:pic>
+        <p:nvPicPr>
+          <p:cNvPr id="9" name="Picture 8">
             <a:extLst>
               <a:ext uri="{FF2B5EF4-FFF2-40B4-BE49-F238E27FC236}">
-                <a16:creationId xmlns:a16="http://schemas.microsoft.com/office/drawing/2014/main" id="{AE706D50-7D14-4DB8-BE17-5497AA1715EE}"/>
+                <a16:creationId xmlns:a16="http://schemas.microsoft.com/office/drawing/2014/main" id="{28F1047E-0F8D-A1DA-8D73-C1BCD2321768}"/>
               </a:ext>
             </a:extLst>
           </p:cNvPr>
-          <p:cNvSpPr txBox="1">
-            <a:spLocks/>
-          </p:cNvSpPr>
+          <p:cNvPicPr>
+            <a:picLocks noChangeAspect="1"/>
+          </p:cNvPicPr>
           <p:nvPr/>
-        </p:nvSpPr>
+        </p:nvPicPr>
+        <p:blipFill>
+          <a:blip r:embed="rId4"/>
+          <a:stretch>
+            <a:fillRect/>
+          </a:stretch>
+        </p:blipFill>
         <p:spPr>
           <a:xfrm>
-            <a:off x="6172200" y="2506661"/>
-            <a:ext cx="4614949" cy="3670301"/>
+            <a:off x="6172200" y="2425118"/>
+            <a:ext cx="6019799" cy="4210638"/>
           </a:xfrm>
           <a:prstGeom prst="rect">
             <a:avLst/>
           </a:prstGeom>
         </p:spPr>
-        <p:txBody>
-          <a:bodyPr vert="horz" lIns="91440" tIns="45720" rIns="91440" bIns="45720" rtlCol="0">
-            <a:normAutofit/>
-          </a:bodyPr>
-          <a:lstStyle>
-            <a:lvl1pPr marL="228600" indent="-228600" algn="l" defTabSz="914400" rtl="0" eaLnBrk="1" latinLnBrk="0" hangingPunct="1">
-              <a:lnSpc>
-                <a:spcPct val="90000"/>
-              </a:lnSpc>
-              <a:spcBef>
-                <a:spcPts val="1000"/>
-              </a:spcBef>
-              <a:buFont typeface="Arial"/>
-              <a:buChar char="•"/>
-              <a:defRPr sz="2800" kern="1200">
-                <a:solidFill>
-                  <a:srgbClr val="0070C0"/>
-                </a:solidFill>
-                <a:latin typeface="IBM Plex Mono Text" panose="020B0509050203000203" pitchFamily="49" charset="0"/>
-                <a:ea typeface="+mn-ea"/>
-                <a:cs typeface="+mn-cs"/>
-              </a:defRPr>
-            </a:lvl1pPr>
-            <a:lvl2pPr marL="685800" indent="-228600" algn="l" defTabSz="914400" rtl="0" eaLnBrk="1" latinLnBrk="0" hangingPunct="1">
-              <a:lnSpc>
-                <a:spcPct val="90000"/>
-              </a:lnSpc>
-              <a:spcBef>
-                <a:spcPts val="500"/>
-              </a:spcBef>
-              <a:buFont typeface="Arial"/>
-              <a:buChar char="•"/>
-              <a:defRPr sz="2400" kern="1200">
-                <a:solidFill>
-                  <a:srgbClr val="0070C0"/>
-                </a:solidFill>
-                <a:latin typeface="IBM Plex Mono Text" panose="020B0509050203000203" pitchFamily="49" charset="0"/>
-                <a:ea typeface="+mn-ea"/>
-                <a:cs typeface="+mn-cs"/>
-              </a:defRPr>
-            </a:lvl2pPr>
-            <a:lvl3pPr marL="1143000" indent="-228600" algn="l" defTabSz="914400" rtl="0" eaLnBrk="1" latinLnBrk="0" hangingPunct="1">
-              <a:lnSpc>
-                <a:spcPct val="90000"/>
-              </a:lnSpc>
-              <a:spcBef>
-                <a:spcPts val="500"/>
-              </a:spcBef>
-              <a:buFont typeface="Arial"/>
-              <a:buChar char="•"/>
-              <a:defRPr sz="2000" kern="1200">
-                <a:solidFill>
-                  <a:srgbClr val="0070C0"/>
-                </a:solidFill>
-                <a:latin typeface="IBM Plex Mono Text" panose="020B0509050203000203" pitchFamily="49" charset="0"/>
-                <a:ea typeface="+mn-ea"/>
-                <a:cs typeface="+mn-cs"/>
-              </a:defRPr>
-            </a:lvl3pPr>
-            <a:lvl4pPr marL="1600200" indent="-228600" algn="l" defTabSz="914400" rtl="0" eaLnBrk="1" latinLnBrk="0" hangingPunct="1">
-              <a:lnSpc>
-                <a:spcPct val="90000"/>
-              </a:lnSpc>
-              <a:spcBef>
-                <a:spcPts val="500"/>
-              </a:spcBef>
-              <a:buFont typeface="Arial"/>
-              <a:buChar char="•"/>
-              <a:defRPr sz="1800" kern="1200">
-                <a:solidFill>
-                  <a:srgbClr val="0070C0"/>
-                </a:solidFill>
-                <a:latin typeface="IBM Plex Mono Text" panose="020B0509050203000203" pitchFamily="49" charset="0"/>
-                <a:ea typeface="+mn-ea"/>
-                <a:cs typeface="+mn-cs"/>
-              </a:defRPr>
-            </a:lvl4pPr>
-            <a:lvl5pPr marL="2057400" indent="-228600" algn="l" defTabSz="914400" rtl="0" eaLnBrk="1" latinLnBrk="0" hangingPunct="1">
-              <a:lnSpc>
-                <a:spcPct val="90000"/>
-              </a:lnSpc>
-              <a:spcBef>
-                <a:spcPts val="500"/>
-              </a:spcBef>
-              <a:buFont typeface="Arial"/>
-              <a:buChar char="•"/>
-              <a:defRPr sz="1800" kern="1200">
-                <a:solidFill>
-                  <a:srgbClr val="0070C0"/>
-                </a:solidFill>
-                <a:latin typeface="IBM Plex Mono Text" panose="020B0509050203000203" pitchFamily="49" charset="0"/>
-                <a:ea typeface="+mn-ea"/>
-                <a:cs typeface="+mn-cs"/>
-              </a:defRPr>
-            </a:lvl5pPr>
-            <a:lvl6pPr marL="2514600" indent="-228600" algn="l" defTabSz="914400" rtl="0" eaLnBrk="1" latinLnBrk="0" hangingPunct="1">
-              <a:lnSpc>
-                <a:spcPct val="90000"/>
-              </a:lnSpc>
-              <a:spcBef>
-                <a:spcPts val="500"/>
-              </a:spcBef>
-              <a:buFont typeface="Arial"/>
-              <a:buChar char="•"/>
-              <a:defRPr sz="1800" kern="1200">
-                <a:solidFill>
-                  <a:schemeClr val="tx1"/>
-                </a:solidFill>
-                <a:latin typeface="+mn-lt"/>
-                <a:ea typeface="+mn-ea"/>
-                <a:cs typeface="+mn-cs"/>
-              </a:defRPr>
-            </a:lvl6pPr>
-            <a:lvl7pPr marL="2971800" indent="-228600" algn="l" defTabSz="914400" rtl="0" eaLnBrk="1" latinLnBrk="0" hangingPunct="1">
-              <a:lnSpc>
-                <a:spcPct val="90000"/>
-              </a:lnSpc>
-              <a:spcBef>
-                <a:spcPts val="500"/>
-              </a:spcBef>
-              <a:buFont typeface="Arial"/>
-              <a:buChar char="•"/>
-              <a:defRPr sz="1800" kern="1200">
-                <a:solidFill>
-                  <a:schemeClr val="tx1"/>
-                </a:solidFill>
-                <a:latin typeface="+mn-lt"/>
-                <a:ea typeface="+mn-ea"/>
-                <a:cs typeface="+mn-cs"/>
-              </a:defRPr>
-            </a:lvl7pPr>
-            <a:lvl8pPr marL="3429000" indent="-228600" algn="l" defTabSz="914400" rtl="0" eaLnBrk="1" latinLnBrk="0" hangingPunct="1">
-              <a:lnSpc>
-                <a:spcPct val="90000"/>
-              </a:lnSpc>
-              <a:spcBef>
-                <a:spcPts val="500"/>
-              </a:spcBef>
-              <a:buFont typeface="Arial"/>
-              <a:buChar char="•"/>
-              <a:defRPr sz="1800" kern="1200">
-                <a:solidFill>
-                  <a:schemeClr val="tx1"/>
-                </a:solidFill>
-                <a:latin typeface="+mn-lt"/>
-                <a:ea typeface="+mn-ea"/>
-                <a:cs typeface="+mn-cs"/>
-              </a:defRPr>
-            </a:lvl8pPr>
-            <a:lvl9pPr marL="3886200" indent="-228600" algn="l" defTabSz="914400" rtl="0" eaLnBrk="1" latinLnBrk="0" hangingPunct="1">
-              <a:lnSpc>
-                <a:spcPct val="90000"/>
-              </a:lnSpc>
-              <a:spcBef>
-                <a:spcPts val="500"/>
-              </a:spcBef>
-              <a:buFont typeface="Arial"/>
-              <a:buChar char="•"/>
-              <a:defRPr sz="1800" kern="1200">
-                <a:solidFill>
-                  <a:schemeClr val="tx1"/>
-                </a:solidFill>
-                <a:latin typeface="+mn-lt"/>
-                <a:ea typeface="+mn-ea"/>
-                <a:cs typeface="+mn-cs"/>
-              </a:defRPr>
-            </a:lvl9pPr>
-          </a:lstStyle>
-          <a:p>
-            <a:pPr marL="0" indent="0">
-              <a:buNone/>
-            </a:pPr>
-            <a:r>
-              <a:rPr lang="en-US" sz="2200" dirty="0"/>
-              <a:t>&lt; Bar chart of top 10 databases for the next year goes here.&gt;</a:t>
-            </a:r>
-          </a:p>
-        </p:txBody>
-      </p:sp>
+      </p:pic>
     </p:spTree>
     <p:extLst>
       <p:ext uri="{BB962C8B-B14F-4D97-AF65-F5344CB8AC3E}">
@@ -10893,6 +10845,12 @@
 </file>
 
 <file path=customXml/item1.xml><?xml version="1.0" encoding="utf-8"?>
+<p:properties xmlns:p="http://schemas.microsoft.com/office/2006/metadata/properties" xmlns:xsi="http://www.w3.org/2001/XMLSchema-instance" xmlns:pc="http://schemas.microsoft.com/office/infopath/2007/PartnerControls">
+  <documentManagement/>
+</p:properties>
+</file>
+
+<file path=customXml/item2.xml><?xml version="1.0" encoding="utf-8"?>
 <ct:contentTypeSchema xmlns:ct="http://schemas.microsoft.com/office/2006/metadata/contentType" xmlns:ma="http://schemas.microsoft.com/office/2006/metadata/properties/metaAttributes" ct:_="" ma:_="" ma:contentTypeName="Document" ma:contentTypeID="0x010100EECD86F56755A646AC8AFCBCBD967F21" ma:contentTypeVersion="11" ma:contentTypeDescription="Create a new document." ma:contentTypeScope="" ma:versionID="4bc1015ece1c23b1ef2f55a62f11494f">
   <xsd:schema xmlns:xsd="http://www.w3.org/2001/XMLSchema" xmlns:xs="http://www.w3.org/2001/XMLSchema" xmlns:p="http://schemas.microsoft.com/office/2006/metadata/properties" xmlns:ns2="155be751-a274-42e8-93fb-f39d3b9bccc8" xmlns:ns3="f80a141d-92ca-4d3d-9308-f7e7b1d44ce8" targetNamespace="http://schemas.microsoft.com/office/2006/metadata/properties" ma:root="true" ma:fieldsID="efbf6837a43ed91190e40f849f23a130" ns2:_="" ns3:_="">
     <xsd:import namespace="155be751-a274-42e8-93fb-f39d3b9bccc8"/>
@@ -11103,7 +11061,7 @@
 </ct:contentTypeSchema>
 </file>
 
-<file path=customXml/item2.xml><?xml version="1.0" encoding="utf-8"?>
+<file path=customXml/item3.xml><?xml version="1.0" encoding="utf-8"?>
 <?mso-contentType ?>
 <FormTemplates xmlns="http://schemas.microsoft.com/sharepoint/v3/contenttype/forms">
   <Display>DocumentLibraryForm</Display>
@@ -11112,13 +11070,24 @@
 </FormTemplates>
 </file>
 
-<file path=customXml/item3.xml><?xml version="1.0" encoding="utf-8"?>
-<p:properties xmlns:p="http://schemas.microsoft.com/office/2006/metadata/properties" xmlns:xsi="http://www.w3.org/2001/XMLSchema-instance" xmlns:pc="http://schemas.microsoft.com/office/infopath/2007/PartnerControls">
-  <documentManagement/>
-</p:properties>
+<file path=customXml/itemProps1.xml><?xml version="1.0" encoding="utf-8"?>
+<ds:datastoreItem xmlns:ds="http://schemas.openxmlformats.org/officeDocument/2006/customXml" ds:itemID="{54DA07C5-A406-4A0D-B3E6-3856C94AC7F3}">
+  <ds:schemaRefs>
+    <ds:schemaRef ds:uri="http://schemas.openxmlformats.org/package/2006/metadata/core-properties"/>
+    <ds:schemaRef ds:uri="f80a141d-92ca-4d3d-9308-f7e7b1d44ce8"/>
+    <ds:schemaRef ds:uri="http://purl.org/dc/terms/"/>
+    <ds:schemaRef ds:uri="http://schemas.microsoft.com/office/2006/metadata/properties"/>
+    <ds:schemaRef ds:uri="155be751-a274-42e8-93fb-f39d3b9bccc8"/>
+    <ds:schemaRef ds:uri="http://schemas.microsoft.com/office/2006/documentManagement/types"/>
+    <ds:schemaRef ds:uri="http://www.w3.org/XML/1998/namespace"/>
+    <ds:schemaRef ds:uri="http://purl.org/dc/elements/1.1/"/>
+    <ds:schemaRef ds:uri="http://schemas.microsoft.com/office/infopath/2007/PartnerControls"/>
+    <ds:schemaRef ds:uri="http://purl.org/dc/dcmitype/"/>
+  </ds:schemaRefs>
+</ds:datastoreItem>
 </file>
 
-<file path=customXml/itemProps1.xml><?xml version="1.0" encoding="utf-8"?>
+<file path=customXml/itemProps2.xml><?xml version="1.0" encoding="utf-8"?>
 <ds:datastoreItem xmlns:ds="http://schemas.openxmlformats.org/officeDocument/2006/customXml" ds:itemID="{887AE8FE-83F0-42D0-BB5E-14AD3FB1DE17}">
   <ds:schemaRefs>
     <ds:schemaRef ds:uri="http://schemas.microsoft.com/office/2006/metadata/contentType"/>
@@ -11137,19 +11106,10 @@
 </ds:datastoreItem>
 </file>
 
-<file path=customXml/itemProps2.xml><?xml version="1.0" encoding="utf-8"?>
+<file path=customXml/itemProps3.xml><?xml version="1.0" encoding="utf-8"?>
 <ds:datastoreItem xmlns:ds="http://schemas.openxmlformats.org/officeDocument/2006/customXml" ds:itemID="{7EFDA260-DDA0-422C-B7AE-778F653FBB36}">
   <ds:schemaRefs>
     <ds:schemaRef ds:uri="http://schemas.microsoft.com/sharepoint/v3/contenttype/forms"/>
   </ds:schemaRefs>
 </ds:datastoreItem>
-</file>
-
-<file path=customXml/itemProps3.xml><?xml version="1.0" encoding="utf-8"?>
-<ds:datastoreItem xmlns:ds="http://schemas.openxmlformats.org/officeDocument/2006/customXml" ds:itemID="{54DA07C5-A406-4A0D-B3E6-3856C94AC7F3}">
-  <ds:schemaRefs>
-    <ds:schemaRef ds:uri="http://schemas.microsoft.com/office/2006/metadata/properties"/>
-    <ds:schemaRef ds:uri="http://schemas.microsoft.com/office/infopath/2007/PartnerControls"/>
-  </ds:schemaRefs>
-</ds:datastoreItem>
 </file>